--- a/doc/slides/day1/session3/UNIXCLI.pptx
+++ b/doc/slides/day1/session3/UNIXCLI.pptx
@@ -5,10 +5,20 @@
     <p:sldMasterId id="2147483648" r:id="rId1"/>
   </p:sldMasterIdLst>
   <p:notesMasterIdLst>
-    <p:notesMasterId r:id="rId3"/>
+    <p:notesMasterId r:id="rId13"/>
   </p:notesMasterIdLst>
   <p:sldIdLst>
     <p:sldId id="256" r:id="rId2"/>
+    <p:sldId id="257" r:id="rId3"/>
+    <p:sldId id="258" r:id="rId4"/>
+    <p:sldId id="260" r:id="rId5"/>
+    <p:sldId id="264" r:id="rId6"/>
+    <p:sldId id="261" r:id="rId7"/>
+    <p:sldId id="265" r:id="rId8"/>
+    <p:sldId id="266" r:id="rId9"/>
+    <p:sldId id="259" r:id="rId10"/>
+    <p:sldId id="262" r:id="rId11"/>
+    <p:sldId id="263" r:id="rId12"/>
   </p:sldIdLst>
   <p:sldSz cx="9144000" cy="6858000" type="screen4x3"/>
   <p:notesSz cx="6858000" cy="9144000"/>
@@ -192,7 +202,8 @@
           <a:p>
             <a:fld id="{212AA354-AE5B-9442-9520-E20E873FCE1D}" type="datetimeFigureOut">
               <a:rPr lang="en-US" smtClean="0"/>
-              <a:t>8/29/12</a:t>
+              <a:pPr/>
+              <a:t>9/3/12</a:t>
             </a:fld>
             <a:endParaRPr lang="en-US"/>
           </a:p>
@@ -353,6 +364,7 @@
           <a:p>
             <a:fld id="{9DBAAB30-7614-204B-A67D-41A54EA59D42}" type="slidenum">
               <a:rPr lang="en-US" smtClean="0"/>
+              <a:pPr/>
               <a:t>‹#›</a:t>
             </a:fld>
             <a:endParaRPr lang="en-US"/>
@@ -560,7 +572,102 @@
           <a:p>
             <a:fld id="{9DBAAB30-7614-204B-A67D-41A54EA59D42}" type="slidenum">
               <a:rPr lang="en-US" smtClean="0"/>
+              <a:pPr/>
               <a:t>1</a:t>
+            </a:fld>
+            <a:endParaRPr lang="en-US"/>
+          </a:p>
+        </p:txBody>
+      </p:sp>
+    </p:spTree>
+  </p:cSld>
+  <p:clrMapOvr>
+    <a:masterClrMapping/>
+  </p:clrMapOvr>
+</p:notes>
+</file>
+
+<file path=ppt/notesSlides/notesSlide2.xml><?xml version="1.0" encoding="utf-8"?>
+<p:notes xmlns:a="http://schemas.openxmlformats.org/drawingml/2006/main" xmlns:r="http://schemas.openxmlformats.org/officeDocument/2006/relationships" xmlns:mc="http://schemas.openxmlformats.org/markup-compatibility/2006" xmlns:mv="urn:schemas-microsoft-com:mac:vml" xmlns:p="http://schemas.openxmlformats.org/presentationml/2006/main" mc:Ignorable="mv" mc:PreserveAttributes="mv:*">
+  <p:cSld>
+    <p:spTree>
+      <p:nvGrpSpPr>
+        <p:cNvPr id="1" name=""/>
+        <p:cNvGrpSpPr/>
+        <p:nvPr/>
+      </p:nvGrpSpPr>
+      <p:grpSpPr>
+        <a:xfrm>
+          <a:off x="0" y="0"/>
+          <a:ext cx="0" cy="0"/>
+          <a:chOff x="0" y="0"/>
+          <a:chExt cx="0" cy="0"/>
+        </a:xfrm>
+      </p:grpSpPr>
+      <p:sp>
+        <p:nvSpPr>
+          <p:cNvPr id="2" name="Slide Image Placeholder 1"/>
+          <p:cNvSpPr>
+            <a:spLocks noGrp="1" noRot="1" noChangeAspect="1"/>
+          </p:cNvSpPr>
+          <p:nvPr>
+            <p:ph type="sldImg"/>
+          </p:nvPr>
+        </p:nvSpPr>
+        <p:spPr/>
+      </p:sp>
+      <p:sp>
+        <p:nvSpPr>
+          <p:cNvPr id="3" name="Notes Placeholder 2"/>
+          <p:cNvSpPr>
+            <a:spLocks noGrp="1"/>
+          </p:cNvSpPr>
+          <p:nvPr>
+            <p:ph type="body" idx="1"/>
+          </p:nvPr>
+        </p:nvSpPr>
+        <p:spPr/>
+        <p:txBody>
+          <a:bodyPr>
+            <a:normAutofit/>
+          </a:bodyPr>
+          <a:lstStyle/>
+          <a:p>
+            <a:r>
+              <a:rPr lang="en-US" dirty="0" smtClean="0"/>
+              <a:t>Re-use </a:t>
+            </a:r>
+            <a:r>
+              <a:rPr lang="en-US" dirty="0" err="1" smtClean="0"/>
+              <a:t>ComPhy</a:t>
+            </a:r>
+            <a:r>
+              <a:rPr lang="en-US" dirty="0" smtClean="0"/>
+              <a:t> exercises</a:t>
+            </a:r>
+            <a:endParaRPr lang="en-US" dirty="0"/>
+          </a:p>
+        </p:txBody>
+      </p:sp>
+      <p:sp>
+        <p:nvSpPr>
+          <p:cNvPr id="4" name="Slide Number Placeholder 3"/>
+          <p:cNvSpPr>
+            <a:spLocks noGrp="1"/>
+          </p:cNvSpPr>
+          <p:nvPr>
+            <p:ph type="sldNum" sz="quarter" idx="10"/>
+          </p:nvPr>
+        </p:nvSpPr>
+        <p:spPr/>
+        <p:txBody>
+          <a:bodyPr/>
+          <a:lstStyle/>
+          <a:p>
+            <a:fld id="{9DBAAB30-7614-204B-A67D-41A54EA59D42}" type="slidenum">
+              <a:rPr lang="en-US" smtClean="0"/>
+              <a:pPr/>
+              <a:t>11</a:t>
             </a:fld>
             <a:endParaRPr lang="en-US"/>
           </a:p>
@@ -756,7 +863,7 @@
             <a:fld id="{6A504196-4937-5640-86EA-1E28139B6342}" type="datetimeFigureOut">
               <a:rPr lang="en-US" smtClean="0"/>
               <a:pPr/>
-              <a:t>8/29/12</a:t>
+              <a:t>9/3/12</a:t>
             </a:fld>
             <a:endParaRPr lang="en-US"/>
           </a:p>
@@ -923,7 +1030,7 @@
             <a:fld id="{6A504196-4937-5640-86EA-1E28139B6342}" type="datetimeFigureOut">
               <a:rPr lang="en-US" smtClean="0"/>
               <a:pPr/>
-              <a:t>8/29/12</a:t>
+              <a:t>9/3/12</a:t>
             </a:fld>
             <a:endParaRPr lang="en-US"/>
           </a:p>
@@ -1100,7 +1207,7 @@
             <a:fld id="{6A504196-4937-5640-86EA-1E28139B6342}" type="datetimeFigureOut">
               <a:rPr lang="en-US" smtClean="0"/>
               <a:pPr/>
-              <a:t>8/29/12</a:t>
+              <a:t>9/3/12</a:t>
             </a:fld>
             <a:endParaRPr lang="en-US"/>
           </a:p>
@@ -1267,7 +1374,7 @@
             <a:fld id="{6A504196-4937-5640-86EA-1E28139B6342}" type="datetimeFigureOut">
               <a:rPr lang="en-US" smtClean="0"/>
               <a:pPr/>
-              <a:t>8/29/12</a:t>
+              <a:t>9/3/12</a:t>
             </a:fld>
             <a:endParaRPr lang="en-US"/>
           </a:p>
@@ -1510,7 +1617,7 @@
             <a:fld id="{6A504196-4937-5640-86EA-1E28139B6342}" type="datetimeFigureOut">
               <a:rPr lang="en-US" smtClean="0"/>
               <a:pPr/>
-              <a:t>8/29/12</a:t>
+              <a:t>9/3/12</a:t>
             </a:fld>
             <a:endParaRPr lang="en-US"/>
           </a:p>
@@ -1795,7 +1902,7 @@
             <a:fld id="{6A504196-4937-5640-86EA-1E28139B6342}" type="datetimeFigureOut">
               <a:rPr lang="en-US" smtClean="0"/>
               <a:pPr/>
-              <a:t>8/29/12</a:t>
+              <a:t>9/3/12</a:t>
             </a:fld>
             <a:endParaRPr lang="en-US"/>
           </a:p>
@@ -2214,7 +2321,7 @@
             <a:fld id="{6A504196-4937-5640-86EA-1E28139B6342}" type="datetimeFigureOut">
               <a:rPr lang="en-US" smtClean="0"/>
               <a:pPr/>
-              <a:t>8/29/12</a:t>
+              <a:t>9/3/12</a:t>
             </a:fld>
             <a:endParaRPr lang="en-US"/>
           </a:p>
@@ -2329,7 +2436,7 @@
             <a:fld id="{6A504196-4937-5640-86EA-1E28139B6342}" type="datetimeFigureOut">
               <a:rPr lang="en-US" smtClean="0"/>
               <a:pPr/>
-              <a:t>8/29/12</a:t>
+              <a:t>9/3/12</a:t>
             </a:fld>
             <a:endParaRPr lang="en-US"/>
           </a:p>
@@ -2421,7 +2528,7 @@
             <a:fld id="{6A504196-4937-5640-86EA-1E28139B6342}" type="datetimeFigureOut">
               <a:rPr lang="en-US" smtClean="0"/>
               <a:pPr/>
-              <a:t>8/29/12</a:t>
+              <a:t>9/3/12</a:t>
             </a:fld>
             <a:endParaRPr lang="en-US"/>
           </a:p>
@@ -2695,7 +2802,7 @@
             <a:fld id="{6A504196-4937-5640-86EA-1E28139B6342}" type="datetimeFigureOut">
               <a:rPr lang="en-US" smtClean="0"/>
               <a:pPr/>
-              <a:t>8/29/12</a:t>
+              <a:t>9/3/12</a:t>
             </a:fld>
             <a:endParaRPr lang="en-US"/>
           </a:p>
@@ -2945,7 +3052,7 @@
             <a:fld id="{6A504196-4937-5640-86EA-1E28139B6342}" type="datetimeFigureOut">
               <a:rPr lang="en-US" smtClean="0"/>
               <a:pPr/>
-              <a:t>8/29/12</a:t>
+              <a:t>9/3/12</a:t>
             </a:fld>
             <a:endParaRPr lang="en-US"/>
           </a:p>
@@ -3155,7 +3262,7 @@
             <a:fld id="{6A504196-4937-5640-86EA-1E28139B6342}" type="datetimeFigureOut">
               <a:rPr lang="en-US" smtClean="0"/>
               <a:pPr/>
-              <a:t>8/29/12</a:t>
+              <a:t>9/3/12</a:t>
             </a:fld>
             <a:endParaRPr lang="en-US"/>
           </a:p>
@@ -3543,7 +3650,7 @@
           <a:p>
             <a:r>
               <a:rPr lang="en-US" dirty="0" smtClean="0"/>
-              <a:t>The UNIX CLI</a:t>
+              <a:t>The UNIX command line</a:t>
             </a:r>
             <a:endParaRPr lang="en-US" dirty="0"/>
           </a:p>
@@ -3569,6 +3676,699 @@
               <a:t>11 September 2012, 14.00-16.00</a:t>
             </a:r>
             <a:endParaRPr lang="en-US" dirty="0"/>
+          </a:p>
+        </p:txBody>
+      </p:sp>
+    </p:spTree>
+  </p:cSld>
+  <p:clrMapOvr>
+    <a:masterClrMapping/>
+  </p:clrMapOvr>
+</p:sld>
+</file>
+
+<file path=ppt/slides/slide10.xml><?xml version="1.0" encoding="utf-8"?>
+<p:sld xmlns:a="http://schemas.openxmlformats.org/drawingml/2006/main" xmlns:r="http://schemas.openxmlformats.org/officeDocument/2006/relationships" xmlns:mc="http://schemas.openxmlformats.org/markup-compatibility/2006" xmlns:mv="urn:schemas-microsoft-com:mac:vml" xmlns:p="http://schemas.openxmlformats.org/presentationml/2006/main" mc:Ignorable="mv" mc:PreserveAttributes="mv:*">
+  <p:cSld>
+    <p:spTree>
+      <p:nvGrpSpPr>
+        <p:cNvPr id="1" name=""/>
+        <p:cNvGrpSpPr/>
+        <p:nvPr/>
+      </p:nvGrpSpPr>
+      <p:grpSpPr>
+        <a:xfrm>
+          <a:off x="0" y="0"/>
+          <a:ext cx="0" cy="0"/>
+          <a:chOff x="0" y="0"/>
+          <a:chExt cx="0" cy="0"/>
+        </a:xfrm>
+      </p:grpSpPr>
+      <p:sp>
+        <p:nvSpPr>
+          <p:cNvPr id="2" name="Title 1"/>
+          <p:cNvSpPr>
+            <a:spLocks noGrp="1"/>
+          </p:cNvSpPr>
+          <p:nvPr>
+            <p:ph type="title"/>
+          </p:nvPr>
+        </p:nvSpPr>
+        <p:spPr/>
+        <p:txBody>
+          <a:bodyPr/>
+          <a:lstStyle/>
+          <a:p>
+            <a:r>
+              <a:rPr lang="en-US" dirty="0" smtClean="0"/>
+              <a:t>Compiling</a:t>
+            </a:r>
+            <a:endParaRPr lang="en-US" dirty="0"/>
+          </a:p>
+        </p:txBody>
+      </p:sp>
+      <p:sp>
+        <p:nvSpPr>
+          <p:cNvPr id="3" name="Content Placeholder 2"/>
+          <p:cNvSpPr>
+            <a:spLocks noGrp="1"/>
+          </p:cNvSpPr>
+          <p:nvPr>
+            <p:ph idx="1"/>
+          </p:nvPr>
+        </p:nvSpPr>
+        <p:spPr/>
+        <p:txBody>
+          <a:bodyPr/>
+          <a:lstStyle/>
+          <a:p>
+            <a:endParaRPr lang="en-US"/>
+          </a:p>
+        </p:txBody>
+      </p:sp>
+    </p:spTree>
+  </p:cSld>
+  <p:clrMapOvr>
+    <a:masterClrMapping/>
+  </p:clrMapOvr>
+</p:sld>
+</file>
+
+<file path=ppt/slides/slide11.xml><?xml version="1.0" encoding="utf-8"?>
+<p:sld xmlns:a="http://schemas.openxmlformats.org/drawingml/2006/main" xmlns:r="http://schemas.openxmlformats.org/officeDocument/2006/relationships" xmlns:mc="http://schemas.openxmlformats.org/markup-compatibility/2006" xmlns:mv="urn:schemas-microsoft-com:mac:vml" xmlns:p="http://schemas.openxmlformats.org/presentationml/2006/main" mc:Ignorable="mv" mc:PreserveAttributes="mv:*">
+  <p:cSld>
+    <p:spTree>
+      <p:nvGrpSpPr>
+        <p:cNvPr id="1" name=""/>
+        <p:cNvGrpSpPr/>
+        <p:nvPr/>
+      </p:nvGrpSpPr>
+      <p:grpSpPr>
+        <a:xfrm>
+          <a:off x="0" y="0"/>
+          <a:ext cx="0" cy="0"/>
+          <a:chOff x="0" y="0"/>
+          <a:chExt cx="0" cy="0"/>
+        </a:xfrm>
+      </p:grpSpPr>
+      <p:sp>
+        <p:nvSpPr>
+          <p:cNvPr id="2" name="Title 1"/>
+          <p:cNvSpPr>
+            <a:spLocks noGrp="1"/>
+          </p:cNvSpPr>
+          <p:nvPr>
+            <p:ph type="title"/>
+          </p:nvPr>
+        </p:nvSpPr>
+        <p:spPr/>
+        <p:txBody>
+          <a:bodyPr/>
+          <a:lstStyle/>
+          <a:p>
+            <a:r>
+              <a:rPr lang="en-US" dirty="0" smtClean="0"/>
+              <a:t>Exercise: UNIX commands</a:t>
+            </a:r>
+            <a:endParaRPr lang="en-US" dirty="0"/>
+          </a:p>
+        </p:txBody>
+      </p:sp>
+      <p:sp>
+        <p:nvSpPr>
+          <p:cNvPr id="3" name="Content Placeholder 2"/>
+          <p:cNvSpPr>
+            <a:spLocks noGrp="1"/>
+          </p:cNvSpPr>
+          <p:nvPr>
+            <p:ph idx="1"/>
+          </p:nvPr>
+        </p:nvSpPr>
+        <p:spPr/>
+        <p:txBody>
+          <a:bodyPr/>
+          <a:lstStyle/>
+          <a:p>
+            <a:endParaRPr lang="en-US"/>
+          </a:p>
+        </p:txBody>
+      </p:sp>
+    </p:spTree>
+  </p:cSld>
+  <p:clrMapOvr>
+    <a:masterClrMapping/>
+  </p:clrMapOvr>
+</p:sld>
+</file>
+
+<file path=ppt/slides/slide2.xml><?xml version="1.0" encoding="utf-8"?>
+<p:sld xmlns:a="http://schemas.openxmlformats.org/drawingml/2006/main" xmlns:r="http://schemas.openxmlformats.org/officeDocument/2006/relationships" xmlns:mc="http://schemas.openxmlformats.org/markup-compatibility/2006" xmlns:mv="urn:schemas-microsoft-com:mac:vml" xmlns:p="http://schemas.openxmlformats.org/presentationml/2006/main" mc:Ignorable="mv" mc:PreserveAttributes="mv:*">
+  <p:cSld>
+    <p:spTree>
+      <p:nvGrpSpPr>
+        <p:cNvPr id="1" name=""/>
+        <p:cNvGrpSpPr/>
+        <p:nvPr/>
+      </p:nvGrpSpPr>
+      <p:grpSpPr>
+        <a:xfrm>
+          <a:off x="0" y="0"/>
+          <a:ext cx="0" cy="0"/>
+          <a:chOff x="0" y="0"/>
+          <a:chExt cx="0" cy="0"/>
+        </a:xfrm>
+      </p:grpSpPr>
+      <p:sp>
+        <p:nvSpPr>
+          <p:cNvPr id="2" name="Title 1"/>
+          <p:cNvSpPr>
+            <a:spLocks noGrp="1"/>
+          </p:cNvSpPr>
+          <p:nvPr>
+            <p:ph type="title"/>
+          </p:nvPr>
+        </p:nvSpPr>
+        <p:spPr/>
+        <p:txBody>
+          <a:bodyPr/>
+          <a:lstStyle/>
+          <a:p>
+            <a:r>
+              <a:rPr lang="en-US" dirty="0" smtClean="0"/>
+              <a:t>History of UNIX</a:t>
+            </a:r>
+            <a:endParaRPr lang="en-US" dirty="0"/>
+          </a:p>
+        </p:txBody>
+      </p:sp>
+      <p:sp>
+        <p:nvSpPr>
+          <p:cNvPr id="3" name="Content Placeholder 2"/>
+          <p:cNvSpPr>
+            <a:spLocks noGrp="1"/>
+          </p:cNvSpPr>
+          <p:nvPr>
+            <p:ph idx="1"/>
+          </p:nvPr>
+        </p:nvSpPr>
+        <p:spPr/>
+        <p:txBody>
+          <a:bodyPr/>
+          <a:lstStyle/>
+          <a:p>
+            <a:endParaRPr lang="en-US"/>
+          </a:p>
+        </p:txBody>
+      </p:sp>
+    </p:spTree>
+  </p:cSld>
+  <p:clrMapOvr>
+    <a:masterClrMapping/>
+  </p:clrMapOvr>
+</p:sld>
+</file>
+
+<file path=ppt/slides/slide3.xml><?xml version="1.0" encoding="utf-8"?>
+<p:sld xmlns:a="http://schemas.openxmlformats.org/drawingml/2006/main" xmlns:r="http://schemas.openxmlformats.org/officeDocument/2006/relationships" xmlns:mc="http://schemas.openxmlformats.org/markup-compatibility/2006" xmlns:mv="urn:schemas-microsoft-com:mac:vml" xmlns:p="http://schemas.openxmlformats.org/presentationml/2006/main" mc:Ignorable="mv" mc:PreserveAttributes="mv:*">
+  <p:cSld>
+    <p:spTree>
+      <p:nvGrpSpPr>
+        <p:cNvPr id="1" name=""/>
+        <p:cNvGrpSpPr/>
+        <p:nvPr/>
+      </p:nvGrpSpPr>
+      <p:grpSpPr>
+        <a:xfrm>
+          <a:off x="0" y="0"/>
+          <a:ext cx="0" cy="0"/>
+          <a:chOff x="0" y="0"/>
+          <a:chExt cx="0" cy="0"/>
+        </a:xfrm>
+      </p:grpSpPr>
+      <p:sp>
+        <p:nvSpPr>
+          <p:cNvPr id="2" name="Title 1"/>
+          <p:cNvSpPr>
+            <a:spLocks noGrp="1"/>
+          </p:cNvSpPr>
+          <p:nvPr>
+            <p:ph type="title"/>
+          </p:nvPr>
+        </p:nvSpPr>
+        <p:spPr/>
+        <p:txBody>
+          <a:bodyPr/>
+          <a:lstStyle/>
+          <a:p>
+            <a:r>
+              <a:rPr lang="en-US" dirty="0" smtClean="0"/>
+              <a:t>UNIX-like operating systems</a:t>
+            </a:r>
+            <a:endParaRPr lang="en-US" dirty="0"/>
+          </a:p>
+        </p:txBody>
+      </p:sp>
+      <p:sp>
+        <p:nvSpPr>
+          <p:cNvPr id="3" name="Content Placeholder 2"/>
+          <p:cNvSpPr>
+            <a:spLocks noGrp="1"/>
+          </p:cNvSpPr>
+          <p:nvPr>
+            <p:ph idx="1"/>
+          </p:nvPr>
+        </p:nvSpPr>
+        <p:spPr/>
+        <p:txBody>
+          <a:bodyPr/>
+          <a:lstStyle/>
+          <a:p>
+            <a:r>
+              <a:rPr lang="en-US" dirty="0" smtClean="0"/>
+              <a:t>Mac OSX</a:t>
+            </a:r>
+          </a:p>
+          <a:p>
+            <a:r>
+              <a:rPr lang="en-US" dirty="0" smtClean="0"/>
+              <a:t>Linux</a:t>
+            </a:r>
+          </a:p>
+          <a:p>
+            <a:r>
+              <a:rPr lang="en-US" dirty="0" err="1" smtClean="0"/>
+              <a:t>Cygwin</a:t>
+            </a:r>
+            <a:endParaRPr lang="en-US" dirty="0" smtClean="0"/>
+          </a:p>
+          <a:p>
+            <a:r>
+              <a:rPr lang="en-US" dirty="0" smtClean="0"/>
+              <a:t>Virtualization</a:t>
+            </a:r>
+            <a:endParaRPr lang="en-US" dirty="0"/>
+          </a:p>
+        </p:txBody>
+      </p:sp>
+    </p:spTree>
+  </p:cSld>
+  <p:clrMapOvr>
+    <a:masterClrMapping/>
+  </p:clrMapOvr>
+</p:sld>
+</file>
+
+<file path=ppt/slides/slide4.xml><?xml version="1.0" encoding="utf-8"?>
+<p:sld xmlns:a="http://schemas.openxmlformats.org/drawingml/2006/main" xmlns:r="http://schemas.openxmlformats.org/officeDocument/2006/relationships" xmlns:mc="http://schemas.openxmlformats.org/markup-compatibility/2006" xmlns:mv="urn:schemas-microsoft-com:mac:vml" xmlns:p="http://schemas.openxmlformats.org/presentationml/2006/main" mc:Ignorable="mv" mc:PreserveAttributes="mv:*">
+  <p:cSld>
+    <p:spTree>
+      <p:nvGrpSpPr>
+        <p:cNvPr id="1" name=""/>
+        <p:cNvGrpSpPr/>
+        <p:nvPr/>
+      </p:nvGrpSpPr>
+      <p:grpSpPr>
+        <a:xfrm>
+          <a:off x="0" y="0"/>
+          <a:ext cx="0" cy="0"/>
+          <a:chOff x="0" y="0"/>
+          <a:chExt cx="0" cy="0"/>
+        </a:xfrm>
+      </p:grpSpPr>
+      <p:sp>
+        <p:nvSpPr>
+          <p:cNvPr id="2" name="Title 1"/>
+          <p:cNvSpPr>
+            <a:spLocks noGrp="1"/>
+          </p:cNvSpPr>
+          <p:nvPr>
+            <p:ph type="title"/>
+          </p:nvPr>
+        </p:nvSpPr>
+        <p:spPr/>
+        <p:txBody>
+          <a:bodyPr/>
+          <a:lstStyle/>
+          <a:p>
+            <a:r>
+              <a:rPr lang="en-US" dirty="0" smtClean="0"/>
+              <a:t>UNIX file structure conventions</a:t>
+            </a:r>
+            <a:endParaRPr lang="en-US" dirty="0"/>
+          </a:p>
+        </p:txBody>
+      </p:sp>
+      <p:sp>
+        <p:nvSpPr>
+          <p:cNvPr id="3" name="Content Placeholder 2"/>
+          <p:cNvSpPr>
+            <a:spLocks noGrp="1"/>
+          </p:cNvSpPr>
+          <p:nvPr>
+            <p:ph idx="1"/>
+          </p:nvPr>
+        </p:nvSpPr>
+        <p:spPr/>
+        <p:txBody>
+          <a:bodyPr/>
+          <a:lstStyle/>
+          <a:p>
+            <a:endParaRPr lang="en-US"/>
+          </a:p>
+        </p:txBody>
+      </p:sp>
+    </p:spTree>
+  </p:cSld>
+  <p:clrMapOvr>
+    <a:masterClrMapping/>
+  </p:clrMapOvr>
+</p:sld>
+</file>
+
+<file path=ppt/slides/slide5.xml><?xml version="1.0" encoding="utf-8"?>
+<p:sld xmlns:a="http://schemas.openxmlformats.org/drawingml/2006/main" xmlns:r="http://schemas.openxmlformats.org/officeDocument/2006/relationships" xmlns:mc="http://schemas.openxmlformats.org/markup-compatibility/2006" xmlns:mv="urn:schemas-microsoft-com:mac:vml" xmlns:p="http://schemas.openxmlformats.org/presentationml/2006/main" mc:Ignorable="mv" mc:PreserveAttributes="mv:*">
+  <p:cSld>
+    <p:spTree>
+      <p:nvGrpSpPr>
+        <p:cNvPr id="1" name=""/>
+        <p:cNvGrpSpPr/>
+        <p:nvPr/>
+      </p:nvGrpSpPr>
+      <p:grpSpPr>
+        <a:xfrm>
+          <a:off x="0" y="0"/>
+          <a:ext cx="0" cy="0"/>
+          <a:chOff x="0" y="0"/>
+          <a:chExt cx="0" cy="0"/>
+        </a:xfrm>
+      </p:grpSpPr>
+      <p:sp>
+        <p:nvSpPr>
+          <p:cNvPr id="2" name="Title 1"/>
+          <p:cNvSpPr>
+            <a:spLocks noGrp="1"/>
+          </p:cNvSpPr>
+          <p:nvPr>
+            <p:ph type="title"/>
+          </p:nvPr>
+        </p:nvSpPr>
+        <p:spPr/>
+        <p:txBody>
+          <a:bodyPr/>
+          <a:lstStyle/>
+          <a:p>
+            <a:r>
+              <a:rPr lang="en-US" dirty="0" smtClean="0"/>
+              <a:t>UNIX pipes</a:t>
+            </a:r>
+            <a:endParaRPr lang="en-US" dirty="0"/>
+          </a:p>
+        </p:txBody>
+      </p:sp>
+      <p:sp>
+        <p:nvSpPr>
+          <p:cNvPr id="3" name="Content Placeholder 2"/>
+          <p:cNvSpPr>
+            <a:spLocks noGrp="1"/>
+          </p:cNvSpPr>
+          <p:nvPr>
+            <p:ph idx="1"/>
+          </p:nvPr>
+        </p:nvSpPr>
+        <p:spPr/>
+        <p:txBody>
+          <a:bodyPr/>
+          <a:lstStyle/>
+          <a:p>
+            <a:endParaRPr lang="en-US"/>
+          </a:p>
+        </p:txBody>
+      </p:sp>
+    </p:spTree>
+  </p:cSld>
+  <p:clrMapOvr>
+    <a:masterClrMapping/>
+  </p:clrMapOvr>
+</p:sld>
+</file>
+
+<file path=ppt/slides/slide6.xml><?xml version="1.0" encoding="utf-8"?>
+<p:sld xmlns:a="http://schemas.openxmlformats.org/drawingml/2006/main" xmlns:r="http://schemas.openxmlformats.org/officeDocument/2006/relationships" xmlns:mc="http://schemas.openxmlformats.org/markup-compatibility/2006" xmlns:mv="urn:schemas-microsoft-com:mac:vml" xmlns:p="http://schemas.openxmlformats.org/presentationml/2006/main" mc:Ignorable="mv" mc:PreserveAttributes="mv:*">
+  <p:cSld>
+    <p:spTree>
+      <p:nvGrpSpPr>
+        <p:cNvPr id="1" name=""/>
+        <p:cNvGrpSpPr/>
+        <p:nvPr/>
+      </p:nvGrpSpPr>
+      <p:grpSpPr>
+        <a:xfrm>
+          <a:off x="0" y="0"/>
+          <a:ext cx="0" cy="0"/>
+          <a:chOff x="0" y="0"/>
+          <a:chExt cx="0" cy="0"/>
+        </a:xfrm>
+      </p:grpSpPr>
+      <p:sp>
+        <p:nvSpPr>
+          <p:cNvPr id="2" name="Title 1"/>
+          <p:cNvSpPr>
+            <a:spLocks noGrp="1"/>
+          </p:cNvSpPr>
+          <p:nvPr>
+            <p:ph type="title"/>
+          </p:nvPr>
+        </p:nvSpPr>
+        <p:spPr/>
+        <p:txBody>
+          <a:bodyPr/>
+          <a:lstStyle/>
+          <a:p>
+            <a:r>
+              <a:rPr lang="en-US" dirty="0" smtClean="0"/>
+              <a:t>Environment variables</a:t>
+            </a:r>
+            <a:endParaRPr lang="en-US" dirty="0"/>
+          </a:p>
+        </p:txBody>
+      </p:sp>
+      <p:sp>
+        <p:nvSpPr>
+          <p:cNvPr id="3" name="Content Placeholder 2"/>
+          <p:cNvSpPr>
+            <a:spLocks noGrp="1"/>
+          </p:cNvSpPr>
+          <p:nvPr>
+            <p:ph idx="1"/>
+          </p:nvPr>
+        </p:nvSpPr>
+        <p:spPr/>
+        <p:txBody>
+          <a:bodyPr/>
+          <a:lstStyle/>
+          <a:p>
+            <a:endParaRPr lang="en-US"/>
+          </a:p>
+        </p:txBody>
+      </p:sp>
+    </p:spTree>
+  </p:cSld>
+  <p:clrMapOvr>
+    <a:masterClrMapping/>
+  </p:clrMapOvr>
+</p:sld>
+</file>
+
+<file path=ppt/slides/slide7.xml><?xml version="1.0" encoding="utf-8"?>
+<p:sld xmlns:a="http://schemas.openxmlformats.org/drawingml/2006/main" xmlns:r="http://schemas.openxmlformats.org/officeDocument/2006/relationships" xmlns:mc="http://schemas.openxmlformats.org/markup-compatibility/2006" xmlns:mv="urn:schemas-microsoft-com:mac:vml" xmlns:p="http://schemas.openxmlformats.org/presentationml/2006/main" mc:Ignorable="mv" mc:PreserveAttributes="mv:*">
+  <p:cSld>
+    <p:spTree>
+      <p:nvGrpSpPr>
+        <p:cNvPr id="1" name=""/>
+        <p:cNvGrpSpPr/>
+        <p:nvPr/>
+      </p:nvGrpSpPr>
+      <p:grpSpPr>
+        <a:xfrm>
+          <a:off x="0" y="0"/>
+          <a:ext cx="0" cy="0"/>
+          <a:chOff x="0" y="0"/>
+          <a:chExt cx="0" cy="0"/>
+        </a:xfrm>
+      </p:grpSpPr>
+      <p:sp>
+        <p:nvSpPr>
+          <p:cNvPr id="2" name="Title 1"/>
+          <p:cNvSpPr>
+            <a:spLocks noGrp="1"/>
+          </p:cNvSpPr>
+          <p:nvPr>
+            <p:ph type="title"/>
+          </p:nvPr>
+        </p:nvSpPr>
+        <p:spPr/>
+        <p:txBody>
+          <a:bodyPr/>
+          <a:lstStyle/>
+          <a:p>
+            <a:r>
+              <a:rPr lang="en-US" dirty="0" smtClean="0"/>
+              <a:t>File descriptors</a:t>
+            </a:r>
+            <a:endParaRPr lang="en-US" dirty="0"/>
+          </a:p>
+        </p:txBody>
+      </p:sp>
+      <p:sp>
+        <p:nvSpPr>
+          <p:cNvPr id="3" name="Content Placeholder 2"/>
+          <p:cNvSpPr>
+            <a:spLocks noGrp="1"/>
+          </p:cNvSpPr>
+          <p:nvPr>
+            <p:ph idx="1"/>
+          </p:nvPr>
+        </p:nvSpPr>
+        <p:spPr/>
+        <p:txBody>
+          <a:bodyPr/>
+          <a:lstStyle/>
+          <a:p>
+            <a:endParaRPr lang="en-US"/>
+          </a:p>
+        </p:txBody>
+      </p:sp>
+    </p:spTree>
+  </p:cSld>
+  <p:clrMapOvr>
+    <a:masterClrMapping/>
+  </p:clrMapOvr>
+</p:sld>
+</file>
+
+<file path=ppt/slides/slide8.xml><?xml version="1.0" encoding="utf-8"?>
+<p:sld xmlns:a="http://schemas.openxmlformats.org/drawingml/2006/main" xmlns:r="http://schemas.openxmlformats.org/officeDocument/2006/relationships" xmlns:mc="http://schemas.openxmlformats.org/markup-compatibility/2006" xmlns:mv="urn:schemas-microsoft-com:mac:vml" xmlns:p="http://schemas.openxmlformats.org/presentationml/2006/main" mc:Ignorable="mv" mc:PreserveAttributes="mv:*">
+  <p:cSld>
+    <p:spTree>
+      <p:nvGrpSpPr>
+        <p:cNvPr id="1" name=""/>
+        <p:cNvGrpSpPr/>
+        <p:nvPr/>
+      </p:nvGrpSpPr>
+      <p:grpSpPr>
+        <a:xfrm>
+          <a:off x="0" y="0"/>
+          <a:ext cx="0" cy="0"/>
+          <a:chOff x="0" y="0"/>
+          <a:chExt cx="0" cy="0"/>
+        </a:xfrm>
+      </p:grpSpPr>
+      <p:sp>
+        <p:nvSpPr>
+          <p:cNvPr id="2" name="Title 1"/>
+          <p:cNvSpPr>
+            <a:spLocks noGrp="1"/>
+          </p:cNvSpPr>
+          <p:nvPr>
+            <p:ph type="title"/>
+          </p:nvPr>
+        </p:nvSpPr>
+        <p:spPr/>
+        <p:txBody>
+          <a:bodyPr/>
+          <a:lstStyle/>
+          <a:p>
+            <a:r>
+              <a:rPr lang="en-US" smtClean="0"/>
+              <a:t>File extensions</a:t>
+            </a:r>
+            <a:endParaRPr lang="en-US"/>
+          </a:p>
+        </p:txBody>
+      </p:sp>
+      <p:sp>
+        <p:nvSpPr>
+          <p:cNvPr id="3" name="Content Placeholder 2"/>
+          <p:cNvSpPr>
+            <a:spLocks noGrp="1"/>
+          </p:cNvSpPr>
+          <p:nvPr>
+            <p:ph idx="1"/>
+          </p:nvPr>
+        </p:nvSpPr>
+        <p:spPr/>
+        <p:txBody>
+          <a:bodyPr/>
+          <a:lstStyle/>
+          <a:p>
+            <a:endParaRPr lang="en-US"/>
+          </a:p>
+        </p:txBody>
+      </p:sp>
+    </p:spTree>
+  </p:cSld>
+  <p:clrMapOvr>
+    <a:masterClrMapping/>
+  </p:clrMapOvr>
+</p:sld>
+</file>
+
+<file path=ppt/slides/slide9.xml><?xml version="1.0" encoding="utf-8"?>
+<p:sld xmlns:a="http://schemas.openxmlformats.org/drawingml/2006/main" xmlns:r="http://schemas.openxmlformats.org/officeDocument/2006/relationships" xmlns:mc="http://schemas.openxmlformats.org/markup-compatibility/2006" xmlns:mv="urn:schemas-microsoft-com:mac:vml" xmlns:p="http://schemas.openxmlformats.org/presentationml/2006/main" mc:Ignorable="mv" mc:PreserveAttributes="mv:*">
+  <p:cSld>
+    <p:spTree>
+      <p:nvGrpSpPr>
+        <p:cNvPr id="1" name=""/>
+        <p:cNvGrpSpPr/>
+        <p:nvPr/>
+      </p:nvGrpSpPr>
+      <p:grpSpPr>
+        <a:xfrm>
+          <a:off x="0" y="0"/>
+          <a:ext cx="0" cy="0"/>
+          <a:chOff x="0" y="0"/>
+          <a:chExt cx="0" cy="0"/>
+        </a:xfrm>
+      </p:grpSpPr>
+      <p:sp>
+        <p:nvSpPr>
+          <p:cNvPr id="2" name="Title 1"/>
+          <p:cNvSpPr>
+            <a:spLocks noGrp="1"/>
+          </p:cNvSpPr>
+          <p:nvPr>
+            <p:ph type="title"/>
+          </p:nvPr>
+        </p:nvSpPr>
+        <p:spPr/>
+        <p:txBody>
+          <a:bodyPr/>
+          <a:lstStyle/>
+          <a:p>
+            <a:r>
+              <a:rPr lang="en-US" dirty="0" smtClean="0"/>
+              <a:t>Commonly-used CLI commands</a:t>
+            </a:r>
+            <a:endParaRPr lang="en-US" dirty="0"/>
+          </a:p>
+        </p:txBody>
+      </p:sp>
+      <p:sp>
+        <p:nvSpPr>
+          <p:cNvPr id="3" name="Content Placeholder 2"/>
+          <p:cNvSpPr>
+            <a:spLocks noGrp="1"/>
+          </p:cNvSpPr>
+          <p:nvPr>
+            <p:ph idx="1"/>
+          </p:nvPr>
+        </p:nvSpPr>
+        <p:spPr/>
+        <p:txBody>
+          <a:bodyPr/>
+          <a:lstStyle/>
+          <a:p>
+            <a:endParaRPr lang="en-US"/>
           </a:p>
         </p:txBody>
       </p:sp>

--- a/doc/slides/day1/session3/UNIXCLI.pptx
+++ b/doc/slides/day1/session3/UNIXCLI.pptx
@@ -12,11 +12,11 @@
     <p:sldId id="257" r:id="rId3"/>
     <p:sldId id="258" r:id="rId4"/>
     <p:sldId id="260" r:id="rId5"/>
-    <p:sldId id="264" r:id="rId6"/>
-    <p:sldId id="261" r:id="rId7"/>
-    <p:sldId id="265" r:id="rId8"/>
-    <p:sldId id="266" r:id="rId9"/>
-    <p:sldId id="259" r:id="rId10"/>
+    <p:sldId id="265" r:id="rId6"/>
+    <p:sldId id="259" r:id="rId7"/>
+    <p:sldId id="264" r:id="rId8"/>
+    <p:sldId id="261" r:id="rId9"/>
+    <p:sldId id="267" r:id="rId10"/>
     <p:sldId id="262" r:id="rId11"/>
     <p:sldId id="263" r:id="rId12"/>
   </p:sldIdLst>
@@ -203,7 +203,7 @@
             <a:fld id="{212AA354-AE5B-9442-9520-E20E873FCE1D}" type="datetimeFigureOut">
               <a:rPr lang="en-US" smtClean="0"/>
               <a:pPr/>
-              <a:t>9/3/12</a:t>
+              <a:t>9/4/12</a:t>
             </a:fld>
             <a:endParaRPr lang="en-US"/>
           </a:p>
@@ -863,7 +863,7 @@
             <a:fld id="{6A504196-4937-5640-86EA-1E28139B6342}" type="datetimeFigureOut">
               <a:rPr lang="en-US" smtClean="0"/>
               <a:pPr/>
-              <a:t>9/3/12</a:t>
+              <a:t>9/4/12</a:t>
             </a:fld>
             <a:endParaRPr lang="en-US"/>
           </a:p>
@@ -1030,7 +1030,7 @@
             <a:fld id="{6A504196-4937-5640-86EA-1E28139B6342}" type="datetimeFigureOut">
               <a:rPr lang="en-US" smtClean="0"/>
               <a:pPr/>
-              <a:t>9/3/12</a:t>
+              <a:t>9/4/12</a:t>
             </a:fld>
             <a:endParaRPr lang="en-US"/>
           </a:p>
@@ -1207,7 +1207,7 @@
             <a:fld id="{6A504196-4937-5640-86EA-1E28139B6342}" type="datetimeFigureOut">
               <a:rPr lang="en-US" smtClean="0"/>
               <a:pPr/>
-              <a:t>9/3/12</a:t>
+              <a:t>9/4/12</a:t>
             </a:fld>
             <a:endParaRPr lang="en-US"/>
           </a:p>
@@ -1374,7 +1374,7 @@
             <a:fld id="{6A504196-4937-5640-86EA-1E28139B6342}" type="datetimeFigureOut">
               <a:rPr lang="en-US" smtClean="0"/>
               <a:pPr/>
-              <a:t>9/3/12</a:t>
+              <a:t>9/4/12</a:t>
             </a:fld>
             <a:endParaRPr lang="en-US"/>
           </a:p>
@@ -1617,7 +1617,7 @@
             <a:fld id="{6A504196-4937-5640-86EA-1E28139B6342}" type="datetimeFigureOut">
               <a:rPr lang="en-US" smtClean="0"/>
               <a:pPr/>
-              <a:t>9/3/12</a:t>
+              <a:t>9/4/12</a:t>
             </a:fld>
             <a:endParaRPr lang="en-US"/>
           </a:p>
@@ -1902,7 +1902,7 @@
             <a:fld id="{6A504196-4937-5640-86EA-1E28139B6342}" type="datetimeFigureOut">
               <a:rPr lang="en-US" smtClean="0"/>
               <a:pPr/>
-              <a:t>9/3/12</a:t>
+              <a:t>9/4/12</a:t>
             </a:fld>
             <a:endParaRPr lang="en-US"/>
           </a:p>
@@ -2321,7 +2321,7 @@
             <a:fld id="{6A504196-4937-5640-86EA-1E28139B6342}" type="datetimeFigureOut">
               <a:rPr lang="en-US" smtClean="0"/>
               <a:pPr/>
-              <a:t>9/3/12</a:t>
+              <a:t>9/4/12</a:t>
             </a:fld>
             <a:endParaRPr lang="en-US"/>
           </a:p>
@@ -2436,7 +2436,7 @@
             <a:fld id="{6A504196-4937-5640-86EA-1E28139B6342}" type="datetimeFigureOut">
               <a:rPr lang="en-US" smtClean="0"/>
               <a:pPr/>
-              <a:t>9/3/12</a:t>
+              <a:t>9/4/12</a:t>
             </a:fld>
             <a:endParaRPr lang="en-US"/>
           </a:p>
@@ -2528,7 +2528,7 @@
             <a:fld id="{6A504196-4937-5640-86EA-1E28139B6342}" type="datetimeFigureOut">
               <a:rPr lang="en-US" smtClean="0"/>
               <a:pPr/>
-              <a:t>9/3/12</a:t>
+              <a:t>9/4/12</a:t>
             </a:fld>
             <a:endParaRPr lang="en-US"/>
           </a:p>
@@ -2802,7 +2802,7 @@
             <a:fld id="{6A504196-4937-5640-86EA-1E28139B6342}" type="datetimeFigureOut">
               <a:rPr lang="en-US" smtClean="0"/>
               <a:pPr/>
-              <a:t>9/3/12</a:t>
+              <a:t>9/4/12</a:t>
             </a:fld>
             <a:endParaRPr lang="en-US"/>
           </a:p>
@@ -3052,7 +3052,7 @@
             <a:fld id="{6A504196-4937-5640-86EA-1E28139B6342}" type="datetimeFigureOut">
               <a:rPr lang="en-US" smtClean="0"/>
               <a:pPr/>
-              <a:t>9/3/12</a:t>
+              <a:t>9/4/12</a:t>
             </a:fld>
             <a:endParaRPr lang="en-US"/>
           </a:p>
@@ -3262,7 +3262,7 @@
             <a:fld id="{6A504196-4937-5640-86EA-1E28139B6342}" type="datetimeFigureOut">
               <a:rPr lang="en-US" smtClean="0"/>
               <a:pPr/>
-              <a:t>9/3/12</a:t>
+              <a:t>9/4/12</a:t>
             </a:fld>
             <a:endParaRPr lang="en-US"/>
           </a:p>
@@ -3684,6 +3684,13 @@
   <p:clrMapOvr>
     <a:masterClrMapping/>
   </p:clrMapOvr>
+  <p:timing>
+    <p:tnLst>
+      <p:par>
+        <p:cTn id="1" dur="indefinite" restart="never" nodeType="tmRoot"/>
+      </p:par>
+    </p:tnLst>
+  </p:timing>
 </p:sld>
 </file>
 
@@ -3729,28 +3736,218 @@
       </p:sp>
       <p:sp>
         <p:nvSpPr>
-          <p:cNvPr id="3" name="Content Placeholder 2"/>
-          <p:cNvSpPr>
-            <a:spLocks noGrp="1"/>
-          </p:cNvSpPr>
-          <p:nvPr>
-            <p:ph idx="1"/>
-          </p:nvPr>
-        </p:nvSpPr>
-        <p:spPr/>
-        <p:txBody>
-          <a:bodyPr/>
+          <p:cNvPr id="4" name="Content Placeholder 3"/>
+          <p:cNvSpPr>
+            <a:spLocks noGrp="1"/>
+          </p:cNvSpPr>
+          <p:nvPr>
+            <p:ph sz="half" idx="1"/>
+          </p:nvPr>
+        </p:nvSpPr>
+        <p:spPr>
+          <a:xfrm>
+            <a:off x="609600" y="1600200"/>
+            <a:ext cx="5029200" cy="4525963"/>
+          </a:xfrm>
+        </p:spPr>
+        <p:txBody>
+          <a:bodyPr lIns="0" tIns="0" rIns="0" bIns="0">
+            <a:noAutofit/>
+          </a:bodyPr>
           <a:lstStyle/>
           <a:p>
-            <a:endParaRPr lang="en-US"/>
-          </a:p>
-        </p:txBody>
-      </p:sp>
+            <a:pPr marL="0" indent="0">
+              <a:buNone/>
+            </a:pPr>
+            <a:r>
+              <a:rPr lang="en-US" sz="3200" dirty="0" smtClean="0"/>
+              <a:t>Source code can be compiled into binary following standard (optional) steps:</a:t>
+            </a:r>
+          </a:p>
+          <a:p>
+            <a:pPr lvl="1">
+              <a:buFont typeface="Lucida Grande"/>
+              <a:buChar char="$"/>
+            </a:pPr>
+            <a:r>
+              <a:rPr lang="en-US" sz="2800" dirty="0" smtClean="0">
+                <a:latin typeface="Courier New"/>
+                <a:cs typeface="Courier New"/>
+              </a:rPr>
+              <a:t>tar -</a:t>
+            </a:r>
+            <a:r>
+              <a:rPr lang="en-US" sz="2800" dirty="0" err="1" smtClean="0">
+                <a:latin typeface="Courier New"/>
+                <a:cs typeface="Courier New"/>
+              </a:rPr>
+              <a:t>xzf</a:t>
+            </a:r>
+            <a:r>
+              <a:rPr lang="en-US" sz="2800" dirty="0" smtClean="0">
+                <a:latin typeface="Courier New"/>
+                <a:cs typeface="Courier New"/>
+              </a:rPr>
+              <a:t> </a:t>
+            </a:r>
+            <a:r>
+              <a:rPr lang="en-US" sz="2800" dirty="0" err="1" smtClean="0">
+                <a:latin typeface="Courier New"/>
+                <a:cs typeface="Courier New"/>
+              </a:rPr>
+              <a:t>prog.tar.gz</a:t>
+            </a:r>
+            <a:endParaRPr lang="en-US" sz="2800" dirty="0" smtClean="0">
+              <a:latin typeface="Courier New"/>
+              <a:cs typeface="Courier New"/>
+            </a:endParaRPr>
+          </a:p>
+          <a:p>
+            <a:pPr lvl="1">
+              <a:buFont typeface="Lucida Grande"/>
+              <a:buChar char="$"/>
+            </a:pPr>
+            <a:r>
+              <a:rPr lang="en-US" sz="2800" dirty="0" err="1" smtClean="0">
+                <a:latin typeface="Courier New"/>
+                <a:cs typeface="Courier New"/>
+              </a:rPr>
+              <a:t>cd</a:t>
+            </a:r>
+            <a:r>
+              <a:rPr lang="en-US" sz="2800" dirty="0" smtClean="0">
+                <a:latin typeface="Courier New"/>
+                <a:cs typeface="Courier New"/>
+              </a:rPr>
+              <a:t> </a:t>
+            </a:r>
+            <a:r>
+              <a:rPr lang="en-US" sz="2800" dirty="0" err="1" smtClean="0">
+                <a:latin typeface="Courier New"/>
+                <a:cs typeface="Courier New"/>
+              </a:rPr>
+              <a:t>prog</a:t>
+            </a:r>
+            <a:endParaRPr lang="en-US" sz="2800" dirty="0" smtClean="0">
+              <a:latin typeface="Courier New"/>
+              <a:cs typeface="Courier New"/>
+            </a:endParaRPr>
+          </a:p>
+          <a:p>
+            <a:pPr lvl="1">
+              <a:buFont typeface="Lucida Grande"/>
+              <a:buChar char="$"/>
+            </a:pPr>
+            <a:r>
+              <a:rPr lang="en-US" sz="2800" dirty="0" smtClean="0">
+                <a:latin typeface="Courier New"/>
+                <a:cs typeface="Courier New"/>
+              </a:rPr>
+              <a:t>(</a:t>
+            </a:r>
+            <a:r>
+              <a:rPr lang="en-US" sz="2800" dirty="0" err="1" smtClean="0">
+                <a:latin typeface="Courier New"/>
+                <a:cs typeface="Courier New"/>
+              </a:rPr>
+              <a:t>autoconf</a:t>
+            </a:r>
+            <a:r>
+              <a:rPr lang="en-US" sz="2800" dirty="0" smtClean="0">
+                <a:latin typeface="Courier New"/>
+                <a:cs typeface="Courier New"/>
+              </a:rPr>
+              <a:t>)</a:t>
+            </a:r>
+          </a:p>
+          <a:p>
+            <a:pPr lvl="1">
+              <a:buFont typeface="Lucida Grande"/>
+              <a:buChar char="$"/>
+            </a:pPr>
+            <a:r>
+              <a:rPr lang="en-US" sz="2800" dirty="0" smtClean="0">
+                <a:latin typeface="Courier New"/>
+                <a:cs typeface="Courier New"/>
+              </a:rPr>
+              <a:t>(./configure)</a:t>
+            </a:r>
+          </a:p>
+          <a:p>
+            <a:pPr lvl="1">
+              <a:buFont typeface="Lucida Grande"/>
+              <a:buChar char="$"/>
+            </a:pPr>
+            <a:r>
+              <a:rPr lang="en-US" sz="2800" dirty="0" smtClean="0">
+                <a:latin typeface="Courier New"/>
+                <a:cs typeface="Courier New"/>
+              </a:rPr>
+              <a:t>make</a:t>
+            </a:r>
+          </a:p>
+          <a:p>
+            <a:pPr lvl="1">
+              <a:buFont typeface="Lucida Grande"/>
+              <a:buChar char="$"/>
+            </a:pPr>
+            <a:r>
+              <a:rPr lang="en-US" sz="2800" dirty="0" err="1" smtClean="0">
+                <a:latin typeface="Courier New"/>
+                <a:cs typeface="Courier New"/>
+              </a:rPr>
+              <a:t>sudo</a:t>
+            </a:r>
+            <a:r>
+              <a:rPr lang="en-US" sz="2800" dirty="0" smtClean="0">
+                <a:latin typeface="Courier New"/>
+                <a:cs typeface="Courier New"/>
+              </a:rPr>
+              <a:t> make install</a:t>
+            </a:r>
+            <a:endParaRPr lang="en-US" sz="2800" dirty="0">
+              <a:latin typeface="Courier New"/>
+              <a:cs typeface="Courier New"/>
+            </a:endParaRPr>
+          </a:p>
+        </p:txBody>
+      </p:sp>
+      <p:pic>
+        <p:nvPicPr>
+          <p:cNvPr id="6" name="Content Placeholder 5" descr="500px-Autoconf-automake-process.png"/>
+          <p:cNvPicPr>
+            <a:picLocks noGrp="1" noChangeAspect="1"/>
+          </p:cNvPicPr>
+          <p:nvPr>
+            <p:ph sz="half" idx="2"/>
+          </p:nvPr>
+        </p:nvPicPr>
+        <p:blipFill>
+          <a:blip r:embed="rId2"/>
+          <a:srcRect/>
+          <a:stretch>
+            <a:fillRect/>
+          </a:stretch>
+        </p:blipFill>
+        <p:spPr>
+          <a:xfrm>
+            <a:off x="5924064" y="1722437"/>
+            <a:ext cx="2534136" cy="4525963"/>
+          </a:xfrm>
+        </p:spPr>
+      </p:pic>
     </p:spTree>
   </p:cSld>
   <p:clrMapOvr>
     <a:masterClrMapping/>
   </p:clrMapOvr>
+  <p:timing>
+    <p:tnLst>
+      <p:par>
+        <p:cTn id="1" dur="indefinite" restart="never" nodeType="tmRoot"/>
+      </p:par>
+    </p:tnLst>
+  </p:timing>
 </p:sld>
 </file>
 
@@ -3804,12 +4001,408 @@
             <p:ph idx="1"/>
           </p:nvPr>
         </p:nvSpPr>
-        <p:spPr/>
-        <p:txBody>
-          <a:bodyPr/>
+        <p:spPr>
+          <a:xfrm>
+            <a:off x="228600" y="1371600"/>
+            <a:ext cx="8686800" cy="5257800"/>
+          </a:xfrm>
+        </p:spPr>
+        <p:txBody>
+          <a:bodyPr>
+            <a:noAutofit/>
+          </a:bodyPr>
           <a:lstStyle/>
           <a:p>
-            <a:endParaRPr lang="en-US"/>
+            <a:pPr marL="334800" indent="-334800">
+              <a:buFont typeface="+mj-lt"/>
+              <a:buAutoNum type="arabicPeriod"/>
+            </a:pPr>
+            <a:r>
+              <a:rPr lang="en-US" sz="1400" dirty="0" smtClean="0"/>
+              <a:t>Open the terminal application on your machine.</a:t>
+            </a:r>
+          </a:p>
+          <a:p>
+            <a:pPr marL="334800" indent="-334800">
+              <a:buFont typeface="+mj-lt"/>
+              <a:buAutoNum type="arabicPeriod"/>
+            </a:pPr>
+            <a:r>
+              <a:rPr lang="en-US" sz="1400" dirty="0" smtClean="0"/>
+              <a:t>Print out all of the environment variables currently set.</a:t>
+            </a:r>
+          </a:p>
+          <a:p>
+            <a:pPr marL="334800" indent="-334800">
+              <a:buFont typeface="+mj-lt"/>
+              <a:buAutoNum type="arabicPeriod"/>
+            </a:pPr>
+            <a:r>
+              <a:rPr lang="en-US" sz="1400" dirty="0" smtClean="0"/>
+              <a:t>Which Environment Variable holds your current SHELL interpreter?</a:t>
+            </a:r>
+          </a:p>
+          <a:p>
+            <a:pPr marL="334800" indent="-334800">
+              <a:buFont typeface="+mj-lt"/>
+              <a:buAutoNum type="arabicPeriod"/>
+            </a:pPr>
+            <a:r>
+              <a:rPr lang="en-US" sz="1400" dirty="0" smtClean="0"/>
+              <a:t>Print out your PATH environment variable.</a:t>
+            </a:r>
+          </a:p>
+          <a:p>
+            <a:pPr marL="334800" indent="-334800">
+              <a:buFont typeface="+mj-lt"/>
+              <a:buAutoNum type="arabicPeriod"/>
+            </a:pPr>
+            <a:r>
+              <a:rPr lang="en-US" sz="1400" dirty="0" smtClean="0"/>
+              <a:t>Set a normal variable called </a:t>
+            </a:r>
+            <a:r>
+              <a:rPr lang="en-US" sz="1400" dirty="0" smtClean="0"/>
+              <a:t>MYTEST </a:t>
+            </a:r>
+            <a:r>
+              <a:rPr lang="en-US" sz="1400" dirty="0" smtClean="0"/>
+              <a:t>which holds some string. Is this in your environment?</a:t>
+            </a:r>
+          </a:p>
+          <a:p>
+            <a:pPr marL="334800" indent="-334800">
+              <a:buFont typeface="+mj-lt"/>
+              <a:buAutoNum type="arabicPeriod"/>
+            </a:pPr>
+            <a:r>
+              <a:rPr lang="en-US" sz="1400" dirty="0" smtClean="0"/>
+              <a:t>Make</a:t>
+            </a:r>
+            <a:r>
+              <a:rPr lang="en-US" sz="1400" dirty="0" smtClean="0"/>
+              <a:t> </a:t>
+            </a:r>
+            <a:r>
+              <a:rPr lang="en-US" sz="1400" dirty="0" smtClean="0"/>
+              <a:t>MYTEST </a:t>
+            </a:r>
+            <a:r>
+              <a:rPr lang="en-US" sz="1400" dirty="0" smtClean="0"/>
+              <a:t>an </a:t>
+            </a:r>
+            <a:r>
+              <a:rPr lang="en-US" sz="1400" dirty="0" smtClean="0"/>
+              <a:t>environment variable.</a:t>
+            </a:r>
+          </a:p>
+          <a:p>
+            <a:pPr marL="334800" indent="-334800">
+              <a:buFont typeface="+mj-lt"/>
+              <a:buAutoNum type="arabicPeriod"/>
+            </a:pPr>
+            <a:r>
+              <a:rPr lang="en-US" sz="1400" dirty="0" smtClean="0"/>
+              <a:t>Create an environment variable called </a:t>
+            </a:r>
+            <a:r>
+              <a:rPr lang="en-US" sz="1400" dirty="0" smtClean="0"/>
+              <a:t>MYTEST2 </a:t>
+            </a:r>
+            <a:r>
+              <a:rPr lang="en-US" sz="1400" dirty="0" smtClean="0"/>
+              <a:t>set to some number, using only one </a:t>
+            </a:r>
+            <a:r>
+              <a:rPr lang="en-US" sz="1400" dirty="0" err="1" smtClean="0"/>
+              <a:t>unix</a:t>
+            </a:r>
+            <a:r>
+              <a:rPr lang="en-US" sz="1400" dirty="0" smtClean="0"/>
+              <a:t> command.</a:t>
+            </a:r>
+          </a:p>
+          <a:p>
+            <a:pPr marL="334800" indent="-334800">
+              <a:buFont typeface="+mj-lt"/>
+              <a:buAutoNum type="arabicPeriod"/>
+            </a:pPr>
+            <a:r>
+              <a:rPr lang="en-US" sz="1400" dirty="0" smtClean="0"/>
+              <a:t>Make it so that</a:t>
+            </a:r>
+            <a:r>
+              <a:rPr lang="en-US" sz="1400" dirty="0" smtClean="0"/>
+              <a:t> </a:t>
+            </a:r>
+            <a:r>
+              <a:rPr lang="en-US" sz="1400" dirty="0" smtClean="0"/>
+              <a:t>MYTEST2 </a:t>
+            </a:r>
+            <a:r>
+              <a:rPr lang="en-US" sz="1400" dirty="0" smtClean="0"/>
+              <a:t>is </a:t>
+            </a:r>
+            <a:r>
+              <a:rPr lang="en-US" sz="1400" dirty="0" smtClean="0"/>
+              <a:t>automatically set each time you login to your terminal application.</a:t>
+            </a:r>
+          </a:p>
+          <a:p>
+            <a:pPr marL="334800" indent="-334800">
+              <a:buFont typeface="+mj-lt"/>
+              <a:buAutoNum type="arabicPeriod"/>
+            </a:pPr>
+            <a:r>
+              <a:rPr lang="en-US" sz="1400" dirty="0" smtClean="0"/>
+              <a:t>Find the largest file in your HOME directory (</a:t>
+            </a:r>
+            <a:r>
+              <a:rPr lang="en-US" sz="1400" dirty="0" err="1" smtClean="0"/>
+              <a:t>dont</a:t>
+            </a:r>
+            <a:r>
+              <a:rPr lang="en-US" sz="1400" dirty="0" smtClean="0"/>
+              <a:t> worry about sorting by size, just eyeball it).</a:t>
+            </a:r>
+          </a:p>
+          <a:p>
+            <a:pPr marL="334800" indent="-334800">
+              <a:buFont typeface="+mj-lt"/>
+              <a:buAutoNum type="arabicPeriod"/>
+            </a:pPr>
+            <a:r>
+              <a:rPr lang="en-US" sz="1400" dirty="0" smtClean="0"/>
+              <a:t>Create a</a:t>
+            </a:r>
+            <a:r>
+              <a:rPr lang="en-US" sz="1400" dirty="0" smtClean="0"/>
+              <a:t> ’</a:t>
+            </a:r>
+            <a:r>
+              <a:rPr lang="en-US" sz="1400" dirty="0" err="1" smtClean="0"/>
+              <a:t>arangs</a:t>
+            </a:r>
+            <a:r>
+              <a:rPr lang="en-US" sz="1400" dirty="0" smtClean="0"/>
+              <a:t>' </a:t>
+            </a:r>
+            <a:r>
+              <a:rPr lang="en-US" sz="1400" dirty="0" smtClean="0"/>
+              <a:t>directory in your HOME directory from the </a:t>
+            </a:r>
+            <a:r>
+              <a:rPr lang="en-US" sz="1400" dirty="0" err="1" smtClean="0"/>
+              <a:t>commandline</a:t>
+            </a:r>
+            <a:r>
+              <a:rPr lang="en-US" sz="1400" dirty="0" smtClean="0"/>
+              <a:t>.</a:t>
+            </a:r>
+          </a:p>
+          <a:p>
+            <a:pPr marL="334800" indent="-334800">
+              <a:buFont typeface="+mj-lt"/>
+              <a:buAutoNum type="arabicPeriod"/>
+            </a:pPr>
+            <a:r>
+              <a:rPr lang="en-US" sz="1400" dirty="0" smtClean="0"/>
+              <a:t>Rename that directory to</a:t>
+            </a:r>
+            <a:r>
+              <a:rPr lang="en-US" sz="1400" dirty="0" smtClean="0"/>
+              <a:t> ’arangs12' </a:t>
+            </a:r>
+            <a:r>
+              <a:rPr lang="en-US" sz="1400" dirty="0" smtClean="0"/>
+              <a:t>from the </a:t>
+            </a:r>
+            <a:r>
+              <a:rPr lang="en-US" sz="1400" dirty="0" err="1" smtClean="0"/>
+              <a:t>commandline</a:t>
+            </a:r>
+            <a:r>
+              <a:rPr lang="en-US" sz="1400" dirty="0" smtClean="0"/>
+              <a:t>.</a:t>
+            </a:r>
+          </a:p>
+          <a:p>
+            <a:pPr marL="334800" indent="-334800">
+              <a:buFont typeface="+mj-lt"/>
+              <a:buAutoNum type="arabicPeriod"/>
+            </a:pPr>
+            <a:r>
+              <a:rPr lang="en-US" sz="1400" dirty="0" smtClean="0"/>
+              <a:t>Determine the full path to the </a:t>
+            </a:r>
+            <a:r>
+              <a:rPr lang="en-US" sz="1400" dirty="0" err="1" smtClean="0"/>
+              <a:t>perl</a:t>
+            </a:r>
+            <a:r>
+              <a:rPr lang="en-US" sz="1400" dirty="0" smtClean="0"/>
+              <a:t> interpreter executable.</a:t>
+            </a:r>
+            <a:endParaRPr lang="en-US" sz="1400" dirty="0" smtClean="0"/>
+          </a:p>
+          <a:p>
+            <a:pPr marL="334800" indent="-334800">
+              <a:buFont typeface="+mj-lt"/>
+              <a:buAutoNum type="arabicPeriod"/>
+            </a:pPr>
+            <a:r>
+              <a:rPr lang="en-US" sz="1400" dirty="0" smtClean="0"/>
+              <a:t>How are </a:t>
+            </a:r>
+            <a:r>
+              <a:rPr lang="en-US" sz="1400" dirty="0" smtClean="0"/>
+              <a:t>directories and</a:t>
+            </a:r>
+            <a:r>
+              <a:rPr lang="en-US" sz="1400" dirty="0" smtClean="0"/>
+              <a:t> files listed differently when using </a:t>
+            </a:r>
+            <a:r>
+              <a:rPr lang="en-US" sz="1400" dirty="0" err="1" smtClean="0"/>
+              <a:t>ls</a:t>
+            </a:r>
+            <a:r>
+              <a:rPr lang="en-US" sz="1400" dirty="0" smtClean="0"/>
+              <a:t> -</a:t>
+            </a:r>
+            <a:r>
+              <a:rPr lang="en-US" sz="1400" dirty="0" err="1" smtClean="0"/>
+              <a:t>l</a:t>
+            </a:r>
+            <a:r>
+              <a:rPr lang="en-US" sz="1400" dirty="0" smtClean="0"/>
+              <a:t>.</a:t>
+            </a:r>
+            <a:endParaRPr lang="en-US" sz="1400" dirty="0" smtClean="0"/>
+          </a:p>
+          <a:p>
+            <a:pPr marL="334800" indent="-334800">
+              <a:buFont typeface="+mj-lt"/>
+              <a:buAutoNum type="arabicPeriod"/>
+            </a:pPr>
+            <a:r>
+              <a:rPr lang="en-US" sz="1400" dirty="0" smtClean="0"/>
+              <a:t>Use </a:t>
+            </a:r>
+            <a:r>
+              <a:rPr lang="en-US" sz="1400" dirty="0" smtClean="0"/>
+              <a:t>touch to create an empty file in / (the real root directory). What happens and why?</a:t>
+            </a:r>
+          </a:p>
+          <a:p>
+            <a:pPr marL="334800" indent="-334800">
+              <a:buFont typeface="+mj-lt"/>
+              <a:buAutoNum type="arabicPeriod"/>
+            </a:pPr>
+            <a:r>
+              <a:rPr lang="en-US" sz="1400" dirty="0" smtClean="0"/>
+              <a:t>Repeat your attempt to create the empty file in /, but</a:t>
+            </a:r>
+            <a:r>
+              <a:rPr lang="en-US" sz="1400" dirty="0" smtClean="0"/>
+              <a:t> re-direct </a:t>
+            </a:r>
+            <a:r>
+              <a:rPr lang="en-US" sz="1400" dirty="0" smtClean="0"/>
+              <a:t>the warning</a:t>
+            </a:r>
+            <a:r>
+              <a:rPr lang="en-US" sz="1400" dirty="0" smtClean="0"/>
+              <a:t> to </a:t>
+            </a:r>
+            <a:r>
+              <a:rPr lang="en-US" sz="1400" dirty="0" smtClean="0"/>
+              <a:t>a separate file called </a:t>
+            </a:r>
+            <a:r>
+              <a:rPr lang="en-US" sz="1400" dirty="0" err="1" smtClean="0"/>
+              <a:t>error.txt</a:t>
+            </a:r>
+            <a:r>
+              <a:rPr lang="en-US" sz="1400" dirty="0" smtClean="0"/>
+              <a:t>.</a:t>
+            </a:r>
+          </a:p>
+          <a:p>
+            <a:pPr marL="334800" indent="-334800">
+              <a:buFont typeface="+mj-lt"/>
+              <a:buAutoNum type="arabicPeriod"/>
+            </a:pPr>
+            <a:r>
+              <a:rPr lang="en-US" sz="1400" dirty="0" smtClean="0"/>
+              <a:t>Repeat, appending the error message to </a:t>
+            </a:r>
+            <a:r>
+              <a:rPr lang="en-US" sz="1400" dirty="0" err="1" smtClean="0"/>
+              <a:t>error.txt</a:t>
+            </a:r>
+            <a:r>
+              <a:rPr lang="en-US" sz="1400" dirty="0" smtClean="0"/>
+              <a:t>.</a:t>
+            </a:r>
+            <a:endParaRPr lang="en-US" sz="1400" dirty="0" smtClean="0"/>
+          </a:p>
+          <a:p>
+            <a:pPr marL="334800" indent="-334800">
+              <a:buFont typeface="+mj-lt"/>
+              <a:buAutoNum type="arabicPeriod"/>
+            </a:pPr>
+            <a:r>
+              <a:rPr lang="en-US" sz="1400" dirty="0" smtClean="0"/>
+              <a:t>There </a:t>
+            </a:r>
+            <a:r>
+              <a:rPr lang="en-US" sz="1400" dirty="0" smtClean="0"/>
+              <a:t>is a very useful program in </a:t>
+            </a:r>
+            <a:r>
+              <a:rPr lang="en-US" sz="1400" dirty="0" err="1" smtClean="0"/>
+              <a:t>unix</a:t>
+            </a:r>
+            <a:r>
+              <a:rPr lang="en-US" sz="1400" dirty="0" smtClean="0"/>
+              <a:t> called 'find'. It is designed to start from a directory provided as an argument (default is current working directory), and apply certain filters that you specify using </a:t>
+            </a:r>
+            <a:r>
+              <a:rPr lang="en-US" sz="1400" dirty="0" err="1" smtClean="0"/>
+              <a:t>commandline</a:t>
+            </a:r>
+            <a:r>
+              <a:rPr lang="en-US" sz="1400" dirty="0" smtClean="0"/>
+              <a:t> switches to match only files in the directory and all its child directories which match them. Find out more about this incredibly useful command from the </a:t>
+            </a:r>
+            <a:r>
+              <a:rPr lang="en-US" sz="1400" dirty="0" err="1" smtClean="0"/>
+              <a:t>unix</a:t>
+            </a:r>
+            <a:r>
+              <a:rPr lang="en-US" sz="1400" dirty="0" smtClean="0"/>
+              <a:t> </a:t>
+            </a:r>
+            <a:r>
+              <a:rPr lang="en-US" sz="1400" dirty="0" err="1" smtClean="0"/>
+              <a:t>commandline</a:t>
+            </a:r>
+            <a:r>
+              <a:rPr lang="en-US" sz="1400" dirty="0" smtClean="0"/>
+              <a:t>.</a:t>
+            </a:r>
+          </a:p>
+          <a:p>
+            <a:pPr marL="334800" indent="-334800">
+              <a:buFont typeface="+mj-lt"/>
+              <a:buAutoNum type="arabicPeriod"/>
+            </a:pPr>
+            <a:r>
+              <a:rPr lang="en-US" sz="1400" dirty="0" smtClean="0"/>
+              <a:t>Use find to find all of the files ending in .txt in your Home Directory.</a:t>
+            </a:r>
+            <a:endParaRPr lang="en-US" sz="1400" dirty="0"/>
           </a:p>
         </p:txBody>
       </p:sp>
@@ -3818,6 +4411,13 @@
   <p:clrMapOvr>
     <a:masterClrMapping/>
   </p:clrMapOvr>
+  <p:timing>
+    <p:tnLst>
+      <p:par>
+        <p:cTn id="1" dur="indefinite" restart="never" nodeType="tmRoot"/>
+      </p:par>
+    </p:tnLst>
+  </p:timing>
 </p:sld>
 </file>
 
@@ -3876,7 +4476,47 @@
           <a:bodyPr/>
           <a:lstStyle/>
           <a:p>
-            <a:endParaRPr lang="en-US"/>
+            <a:r>
+              <a:rPr lang="en-US" dirty="0" smtClean="0"/>
+              <a:t>Developed (late ‘60s) at AT&amp;T Bell labs</a:t>
+            </a:r>
+          </a:p>
+          <a:p>
+            <a:r>
+              <a:rPr lang="en-US" dirty="0" smtClean="0"/>
+              <a:t>First written in assembly language, then C</a:t>
+            </a:r>
+          </a:p>
+          <a:p>
+            <a:r>
+              <a:rPr lang="en-US" dirty="0" smtClean="0"/>
+              <a:t>Early adoption in academia</a:t>
+            </a:r>
+          </a:p>
+          <a:p>
+            <a:r>
+              <a:rPr lang="en-US" dirty="0" smtClean="0"/>
+              <a:t>1983: AT&amp;T monetize UNIX, GNU founded</a:t>
+            </a:r>
+          </a:p>
+          <a:p>
+            <a:r>
+              <a:rPr lang="en-US" dirty="0" smtClean="0"/>
+              <a:t>UNIX wars: many variants in the ‘80s and ‘90s</a:t>
+            </a:r>
+          </a:p>
+          <a:p>
+            <a:r>
+              <a:rPr lang="en-US" dirty="0" smtClean="0"/>
+              <a:t>1991: Linux development starts</a:t>
+            </a:r>
+          </a:p>
+          <a:p>
+            <a:r>
+              <a:rPr lang="en-US" dirty="0" smtClean="0"/>
+              <a:t>1997: Apple acquires NEXTSTEP (BSD)</a:t>
+            </a:r>
+            <a:endParaRPr lang="en-US" dirty="0"/>
           </a:p>
         </p:txBody>
       </p:sp>
@@ -3885,6 +4525,13 @@
   <p:clrMapOvr>
     <a:masterClrMapping/>
   </p:clrMapOvr>
+  <p:timing>
+    <p:tnLst>
+      <p:par>
+        <p:cTn id="1" dur="indefinite" restart="never" nodeType="tmRoot"/>
+      </p:par>
+    </p:tnLst>
+  </p:timing>
 </p:sld>
 </file>
 
@@ -3905,6 +4552,30 @@
           <a:chExt cx="0" cy="0"/>
         </a:xfrm>
       </p:grpSpPr>
+      <p:pic>
+        <p:nvPicPr>
+          <p:cNvPr id="7" name="Picture 6"/>
+          <p:cNvPicPr>
+            <a:picLocks noChangeAspect="1"/>
+          </p:cNvPicPr>
+          <p:nvPr/>
+        </p:nvPicPr>
+        <p:blipFill>
+          <a:blip r:embed="rId2"/>
+          <a:stretch>
+            <a:fillRect/>
+          </a:stretch>
+        </p:blipFill>
+        <p:spPr>
+          <a:xfrm>
+            <a:off x="6400800" y="1295400"/>
+            <a:ext cx="1905000" cy="1905000"/>
+          </a:xfrm>
+          <a:prstGeom prst="rect">
+            <a:avLst/>
+          </a:prstGeom>
+        </p:spPr>
+      </p:pic>
       <p:sp>
         <p:nvSpPr>
           <p:cNvPr id="2" name="Title 1"/>
@@ -3930,7 +4601,7 @@
       </p:sp>
       <p:sp>
         <p:nvSpPr>
-          <p:cNvPr id="3" name="Content Placeholder 2"/>
+          <p:cNvPr id="8" name="Content Placeholder 7"/>
           <p:cNvSpPr>
             <a:spLocks noGrp="1"/>
           </p:cNvSpPr>
@@ -3938,43 +4609,96 @@
             <p:ph idx="1"/>
           </p:nvPr>
         </p:nvSpPr>
-        <p:spPr/>
+        <p:spPr>
+          <a:xfrm>
+            <a:off x="563562" y="1493838"/>
+            <a:ext cx="5913438" cy="5059362"/>
+          </a:xfrm>
+        </p:spPr>
         <p:txBody>
           <a:bodyPr/>
           <a:lstStyle/>
           <a:p>
             <a:r>
               <a:rPr lang="en-US" dirty="0" smtClean="0"/>
-              <a:t>Mac OSX</a:t>
+              <a:t>Out of the ‘UNIX wars’ and the open source movement, many UNIX-like systems have evolved.</a:t>
             </a:r>
           </a:p>
           <a:p>
             <a:r>
               <a:rPr lang="en-US" dirty="0" smtClean="0"/>
-              <a:t>Linux</a:t>
-            </a:r>
-          </a:p>
-          <a:p>
-            <a:r>
-              <a:rPr lang="en-US" dirty="0" err="1" smtClean="0"/>
-              <a:t>Cygwin</a:t>
-            </a:r>
-            <a:endParaRPr lang="en-US" dirty="0" smtClean="0"/>
+              <a:t>These systems can be installed on many different hardware platforms.</a:t>
+            </a:r>
           </a:p>
           <a:p>
             <a:r>
               <a:rPr lang="en-US" dirty="0" smtClean="0"/>
-              <a:t>Virtualization</a:t>
+              <a:t>UNIX-like systems can often be ‘test-driven’ using different virtualization approaches.</a:t>
             </a:r>
             <a:endParaRPr lang="en-US" dirty="0"/>
           </a:p>
         </p:txBody>
       </p:sp>
+      <p:pic>
+        <p:nvPicPr>
+          <p:cNvPr id="4" name="Picture 3"/>
+          <p:cNvPicPr>
+            <a:picLocks noChangeAspect="1"/>
+          </p:cNvPicPr>
+          <p:nvPr/>
+        </p:nvPicPr>
+        <p:blipFill>
+          <a:blip r:embed="rId3"/>
+          <a:stretch>
+            <a:fillRect/>
+          </a:stretch>
+        </p:blipFill>
+        <p:spPr>
+          <a:xfrm>
+            <a:off x="6370638" y="4597400"/>
+            <a:ext cx="2011362" cy="2011362"/>
+          </a:xfrm>
+          <a:prstGeom prst="rect">
+            <a:avLst/>
+          </a:prstGeom>
+        </p:spPr>
+      </p:pic>
+      <p:pic>
+        <p:nvPicPr>
+          <p:cNvPr id="6" name="Picture 5"/>
+          <p:cNvPicPr>
+            <a:picLocks noChangeAspect="1"/>
+          </p:cNvPicPr>
+          <p:nvPr/>
+        </p:nvPicPr>
+        <p:blipFill>
+          <a:blip r:embed="rId4"/>
+          <a:stretch>
+            <a:fillRect/>
+          </a:stretch>
+        </p:blipFill>
+        <p:spPr>
+          <a:xfrm>
+            <a:off x="6629400" y="3124200"/>
+            <a:ext cx="1549400" cy="1549400"/>
+          </a:xfrm>
+          <a:prstGeom prst="rect">
+            <a:avLst/>
+          </a:prstGeom>
+        </p:spPr>
+      </p:pic>
     </p:spTree>
   </p:cSld>
   <p:clrMapOvr>
     <a:masterClrMapping/>
   </p:clrMapOvr>
+  <p:timing>
+    <p:tnLst>
+      <p:par>
+        <p:cTn id="1" dur="indefinite" restart="never" nodeType="tmRoot"/>
+      </p:par>
+    </p:tnLst>
+  </p:timing>
 </p:sld>
 </file>
 
@@ -4012,7 +4736,11 @@
           <a:p>
             <a:r>
               <a:rPr lang="en-US" dirty="0" smtClean="0"/>
-              <a:t>UNIX file structure conventions</a:t>
+              <a:t>UNIX file</a:t>
+            </a:r>
+            <a:r>
+              <a:rPr lang="en-US" dirty="0" smtClean="0"/>
+              <a:t> system conventions</a:t>
             </a:r>
             <a:endParaRPr lang="en-US" dirty="0"/>
           </a:p>
@@ -4025,23 +4753,427 @@
             <a:spLocks noGrp="1"/>
           </p:cNvSpPr>
           <p:nvPr>
-            <p:ph idx="1"/>
+            <p:ph sz="half" idx="1"/>
           </p:nvPr>
         </p:nvSpPr>
         <p:spPr/>
         <p:txBody>
-          <a:bodyPr/>
+          <a:bodyPr>
+            <a:normAutofit fontScale="92500" lnSpcReduction="10000"/>
+          </a:bodyPr>
           <a:lstStyle/>
           <a:p>
-            <a:endParaRPr lang="en-US"/>
-          </a:p>
-        </p:txBody>
-      </p:sp>
+            <a:pPr>
+              <a:buNone/>
+            </a:pPr>
+            <a:r>
+              <a:rPr lang="en-US" dirty="0" smtClean="0"/>
+              <a:t>UNIX-like file </a:t>
+            </a:r>
+            <a:r>
+              <a:rPr lang="en-US" dirty="0" smtClean="0"/>
+              <a:t>systems:</a:t>
+            </a:r>
+          </a:p>
+          <a:p>
+            <a:r>
+              <a:rPr lang="en-US" dirty="0" smtClean="0"/>
+              <a:t>are hierarchical trees navigated with relative and absolute paths</a:t>
+            </a:r>
+          </a:p>
+          <a:p>
+            <a:r>
+              <a:rPr lang="en-US" dirty="0" smtClean="0"/>
+              <a:t>follow some organizational conventions</a:t>
+            </a:r>
+          </a:p>
+          <a:p>
+            <a:r>
+              <a:rPr lang="en-US" dirty="0" smtClean="0"/>
+              <a:t>consider everything a “file”</a:t>
+            </a:r>
+          </a:p>
+          <a:p>
+            <a:r>
+              <a:rPr lang="en-US" dirty="0" smtClean="0"/>
+              <a:t>c</a:t>
+            </a:r>
+            <a:r>
+              <a:rPr lang="en-US" dirty="0" smtClean="0"/>
+              <a:t>onsider files simple byte arrays (and text</a:t>
+            </a:r>
+            <a:r>
+              <a:rPr lang="en-US" dirty="0" smtClean="0"/>
+              <a:t>)</a:t>
+            </a:r>
+            <a:endParaRPr lang="en-US" dirty="0"/>
+          </a:p>
+        </p:txBody>
+      </p:sp>
+      <p:graphicFrame>
+        <p:nvGraphicFramePr>
+          <p:cNvPr id="6" name="Content Placeholder 5"/>
+          <p:cNvGraphicFramePr>
+            <a:graphicFrameLocks noGrp="1"/>
+          </p:cNvGraphicFramePr>
+          <p:nvPr>
+            <p:ph sz="half" idx="2"/>
+          </p:nvPr>
+        </p:nvGraphicFramePr>
+        <p:xfrm>
+          <a:off x="4648200" y="1600200"/>
+          <a:ext cx="4038600" cy="4572000"/>
+        </p:xfrm>
+        <a:graphic>
+          <a:graphicData uri="http://schemas.openxmlformats.org/drawingml/2006/table">
+            <a:tbl>
+              <a:tblPr firstRow="1" bandRow="1">
+                <a:tableStyleId>{5C22544A-7EE6-4342-B048-85BDC9FD1C3A}</a:tableStyleId>
+              </a:tblPr>
+              <a:tblGrid>
+                <a:gridCol w="1371600"/>
+                <a:gridCol w="2667000"/>
+              </a:tblGrid>
+              <a:tr h="370840">
+                <a:tc>
+                  <a:txBody>
+                    <a:bodyPr/>
+                    <a:lstStyle/>
+                    <a:p>
+                      <a:r>
+                        <a:rPr lang="en-US" sz="2400" dirty="0" smtClean="0"/>
+                        <a:t>Directory</a:t>
+                      </a:r>
+                      <a:endParaRPr lang="en-US" sz="2400" dirty="0"/>
+                    </a:p>
+                  </a:txBody>
+                  <a:tcPr/>
+                </a:tc>
+                <a:tc>
+                  <a:txBody>
+                    <a:bodyPr/>
+                    <a:lstStyle/>
+                    <a:p>
+                      <a:r>
+                        <a:rPr lang="en-US" sz="2400" dirty="0" smtClean="0"/>
+                        <a:t>Description</a:t>
+                      </a:r>
+                      <a:endParaRPr lang="en-US" sz="2400" dirty="0"/>
+                    </a:p>
+                  </a:txBody>
+                  <a:tcPr/>
+                </a:tc>
+              </a:tr>
+              <a:tr h="370840">
+                <a:tc>
+                  <a:txBody>
+                    <a:bodyPr/>
+                    <a:lstStyle/>
+                    <a:p>
+                      <a:r>
+                        <a:rPr lang="en-US" sz="2400" dirty="0" smtClean="0"/>
+                        <a:t>/bin</a:t>
+                      </a:r>
+                      <a:endParaRPr lang="en-US" sz="2400" dirty="0"/>
+                    </a:p>
+                  </a:txBody>
+                  <a:tcPr/>
+                </a:tc>
+                <a:tc>
+                  <a:txBody>
+                    <a:bodyPr/>
+                    <a:lstStyle/>
+                    <a:p>
+                      <a:r>
+                        <a:rPr lang="en-US" sz="2400" dirty="0" smtClean="0"/>
+                        <a:t>Single user binaries</a:t>
+                      </a:r>
+                      <a:endParaRPr lang="en-US" sz="2400" dirty="0"/>
+                    </a:p>
+                  </a:txBody>
+                  <a:tcPr/>
+                </a:tc>
+              </a:tr>
+              <a:tr h="370840">
+                <a:tc>
+                  <a:txBody>
+                    <a:bodyPr/>
+                    <a:lstStyle/>
+                    <a:p>
+                      <a:r>
+                        <a:rPr lang="en-US" sz="2400" dirty="0" smtClean="0"/>
+                        <a:t>/dev</a:t>
+                      </a:r>
+                      <a:endParaRPr lang="en-US" sz="2400" dirty="0"/>
+                    </a:p>
+                  </a:txBody>
+                  <a:tcPr/>
+                </a:tc>
+                <a:tc>
+                  <a:txBody>
+                    <a:bodyPr/>
+                    <a:lstStyle/>
+                    <a:p>
+                      <a:r>
+                        <a:rPr lang="en-US" sz="2400" dirty="0" smtClean="0"/>
+                        <a:t>Essential devices</a:t>
+                      </a:r>
+                      <a:endParaRPr lang="en-US" sz="2400" dirty="0"/>
+                    </a:p>
+                  </a:txBody>
+                  <a:tcPr/>
+                </a:tc>
+              </a:tr>
+              <a:tr h="370840">
+                <a:tc>
+                  <a:txBody>
+                    <a:bodyPr/>
+                    <a:lstStyle/>
+                    <a:p>
+                      <a:r>
+                        <a:rPr lang="en-US" sz="2400" dirty="0" smtClean="0"/>
+                        <a:t>/etc</a:t>
+                      </a:r>
+                      <a:endParaRPr lang="en-US" sz="2400" dirty="0"/>
+                    </a:p>
+                  </a:txBody>
+                  <a:tcPr/>
+                </a:tc>
+                <a:tc>
+                  <a:txBody>
+                    <a:bodyPr/>
+                    <a:lstStyle/>
+                    <a:p>
+                      <a:r>
+                        <a:rPr lang="en-US" sz="2400" dirty="0" smtClean="0"/>
+                        <a:t>Configuration</a:t>
+                      </a:r>
+                      <a:r>
+                        <a:rPr lang="en-US" sz="2400" baseline="0" dirty="0" smtClean="0"/>
+                        <a:t> files</a:t>
+                      </a:r>
+                      <a:endParaRPr lang="en-US" sz="2400" dirty="0"/>
+                    </a:p>
+                  </a:txBody>
+                  <a:tcPr/>
+                </a:tc>
+              </a:tr>
+              <a:tr h="370840">
+                <a:tc>
+                  <a:txBody>
+                    <a:bodyPr/>
+                    <a:lstStyle/>
+                    <a:p>
+                      <a:r>
+                        <a:rPr lang="en-US" sz="2400" dirty="0" smtClean="0"/>
+                        <a:t>/home</a:t>
+                      </a:r>
+                      <a:endParaRPr lang="en-US" sz="2400" dirty="0"/>
+                    </a:p>
+                  </a:txBody>
+                  <a:tcPr/>
+                </a:tc>
+                <a:tc>
+                  <a:txBody>
+                    <a:bodyPr/>
+                    <a:lstStyle/>
+                    <a:p>
+                      <a:r>
+                        <a:rPr lang="en-US" sz="2400" dirty="0" smtClean="0"/>
+                        <a:t>Users’ home </a:t>
+                      </a:r>
+                      <a:r>
+                        <a:rPr lang="en-US" sz="2400" dirty="0" err="1" smtClean="0"/>
+                        <a:t>dirs</a:t>
+                      </a:r>
+                      <a:endParaRPr lang="en-US" sz="2400" dirty="0"/>
+                    </a:p>
+                  </a:txBody>
+                  <a:tcPr/>
+                </a:tc>
+              </a:tr>
+              <a:tr h="370840">
+                <a:tc>
+                  <a:txBody>
+                    <a:bodyPr/>
+                    <a:lstStyle/>
+                    <a:p>
+                      <a:r>
+                        <a:rPr lang="en-US" sz="2400" dirty="0" smtClean="0"/>
+                        <a:t>/lib</a:t>
+                      </a:r>
+                      <a:endParaRPr lang="en-US" sz="2400" dirty="0"/>
+                    </a:p>
+                  </a:txBody>
+                  <a:tcPr/>
+                </a:tc>
+                <a:tc>
+                  <a:txBody>
+                    <a:bodyPr/>
+                    <a:lstStyle/>
+                    <a:p>
+                      <a:r>
+                        <a:rPr lang="en-US" sz="2400" dirty="0" smtClean="0"/>
+                        <a:t>Libraries</a:t>
+                      </a:r>
+                      <a:endParaRPr lang="en-US" sz="2400" dirty="0"/>
+                    </a:p>
+                  </a:txBody>
+                  <a:tcPr/>
+                </a:tc>
+              </a:tr>
+              <a:tr h="370840">
+                <a:tc>
+                  <a:txBody>
+                    <a:bodyPr/>
+                    <a:lstStyle/>
+                    <a:p>
+                      <a:r>
+                        <a:rPr lang="en-US" sz="2400" dirty="0" smtClean="0"/>
+                        <a:t>/</a:t>
+                      </a:r>
+                      <a:r>
+                        <a:rPr lang="en-US" sz="2400" dirty="0" err="1" smtClean="0"/>
+                        <a:t>sbin</a:t>
+                      </a:r>
+                      <a:endParaRPr lang="en-US" sz="2400" dirty="0"/>
+                    </a:p>
+                  </a:txBody>
+                  <a:tcPr/>
+                </a:tc>
+                <a:tc>
+                  <a:txBody>
+                    <a:bodyPr/>
+                    <a:lstStyle/>
+                    <a:p>
+                      <a:r>
+                        <a:rPr lang="en-US" sz="2400" dirty="0" smtClean="0"/>
+                        <a:t>System binaries</a:t>
+                      </a:r>
+                      <a:endParaRPr lang="en-US" sz="2400" dirty="0"/>
+                    </a:p>
+                  </a:txBody>
+                  <a:tcPr/>
+                </a:tc>
+              </a:tr>
+              <a:tr h="370840">
+                <a:tc>
+                  <a:txBody>
+                    <a:bodyPr/>
+                    <a:lstStyle/>
+                    <a:p>
+                      <a:r>
+                        <a:rPr lang="en-US" sz="2400" dirty="0" smtClean="0"/>
+                        <a:t>/</a:t>
+                      </a:r>
+                      <a:r>
+                        <a:rPr lang="en-US" sz="2400" dirty="0" err="1" smtClean="0"/>
+                        <a:t>tmp</a:t>
+                      </a:r>
+                      <a:endParaRPr lang="en-US" sz="2400" dirty="0"/>
+                    </a:p>
+                  </a:txBody>
+                  <a:tcPr/>
+                </a:tc>
+                <a:tc>
+                  <a:txBody>
+                    <a:bodyPr/>
+                    <a:lstStyle/>
+                    <a:p>
+                      <a:r>
+                        <a:rPr lang="en-US" sz="2400" dirty="0" smtClean="0"/>
+                        <a:t>Temporary files</a:t>
+                      </a:r>
+                      <a:endParaRPr lang="en-US" sz="2400" dirty="0"/>
+                    </a:p>
+                  </a:txBody>
+                  <a:tcPr/>
+                </a:tc>
+              </a:tr>
+              <a:tr h="370840">
+                <a:tc>
+                  <a:txBody>
+                    <a:bodyPr/>
+                    <a:lstStyle/>
+                    <a:p>
+                      <a:r>
+                        <a:rPr lang="en-US" sz="2400" dirty="0" smtClean="0"/>
+                        <a:t>/</a:t>
+                      </a:r>
+                      <a:r>
+                        <a:rPr lang="en-US" sz="2400" dirty="0" err="1" smtClean="0"/>
+                        <a:t>usr</a:t>
+                      </a:r>
+                      <a:endParaRPr lang="en-US" sz="2400" dirty="0"/>
+                    </a:p>
+                  </a:txBody>
+                  <a:tcPr/>
+                </a:tc>
+                <a:tc>
+                  <a:txBody>
+                    <a:bodyPr/>
+                    <a:lstStyle/>
+                    <a:p>
+                      <a:r>
+                        <a:rPr lang="en-US" sz="2400" dirty="0" smtClean="0"/>
+                        <a:t>Multi user utilities</a:t>
+                      </a:r>
+                      <a:endParaRPr lang="en-US" sz="2400" dirty="0"/>
+                    </a:p>
+                  </a:txBody>
+                  <a:tcPr/>
+                </a:tc>
+              </a:tr>
+              <a:tr h="370840">
+                <a:tc>
+                  <a:txBody>
+                    <a:bodyPr/>
+                    <a:lstStyle/>
+                    <a:p>
+                      <a:r>
+                        <a:rPr lang="en-US" sz="2400" dirty="0" smtClean="0"/>
+                        <a:t>/</a:t>
+                      </a:r>
+                      <a:r>
+                        <a:rPr lang="en-US" sz="2400" dirty="0" err="1" smtClean="0"/>
+                        <a:t>var</a:t>
+                      </a:r>
+                      <a:endParaRPr lang="en-US" sz="2400" dirty="0"/>
+                    </a:p>
+                  </a:txBody>
+                  <a:tcPr/>
+                </a:tc>
+                <a:tc>
+                  <a:txBody>
+                    <a:bodyPr/>
+                    <a:lstStyle/>
+                    <a:p>
+                      <a:r>
+                        <a:rPr lang="en-US" sz="2400" dirty="0" smtClean="0"/>
+                        <a:t>Variable files</a:t>
+                      </a:r>
+                      <a:endParaRPr lang="en-US" sz="2400" dirty="0"/>
+                    </a:p>
+                  </a:txBody>
+                  <a:tcPr/>
+                </a:tc>
+              </a:tr>
+            </a:tbl>
+          </a:graphicData>
+        </a:graphic>
+      </p:graphicFrame>
     </p:spTree>
   </p:cSld>
   <p:clrMapOvr>
     <a:masterClrMapping/>
   </p:clrMapOvr>
+  <p:timing>
+    <p:tnLst>
+      <p:par>
+        <p:cTn id="1" dur="indefinite" restart="never" nodeType="tmRoot"/>
+      </p:par>
+    </p:tnLst>
+  </p:timing>
 </p:sld>
 </file>
 
@@ -4079,7 +5211,11 @@
           <a:p>
             <a:r>
               <a:rPr lang="en-US" dirty="0" smtClean="0"/>
-              <a:t>UNIX pipes</a:t>
+              <a:t>File</a:t>
+            </a:r>
+            <a:r>
+              <a:rPr lang="en-US" dirty="0" smtClean="0"/>
+              <a:t> access</a:t>
             </a:r>
             <a:endParaRPr lang="en-US" dirty="0"/>
           </a:p>
@@ -4100,7 +5236,54 @@
           <a:bodyPr/>
           <a:lstStyle/>
           <a:p>
-            <a:endParaRPr lang="en-US"/>
+            <a:r>
+              <a:rPr lang="en-US" dirty="0" smtClean="0"/>
+              <a:t>Access to files is granted at user and group level</a:t>
+            </a:r>
+          </a:p>
+          <a:p>
+            <a:r>
+              <a:rPr lang="en-US" dirty="0" smtClean="0"/>
+              <a:t>Files can be read (</a:t>
+            </a:r>
+            <a:r>
+              <a:rPr lang="en-US" dirty="0" err="1" smtClean="0"/>
+              <a:t>r</a:t>
+            </a:r>
+            <a:r>
+              <a:rPr lang="en-US" dirty="0" smtClean="0"/>
+              <a:t>), written (</a:t>
+            </a:r>
+            <a:r>
+              <a:rPr lang="en-US" dirty="0" err="1" smtClean="0"/>
+              <a:t>w</a:t>
+            </a:r>
+            <a:r>
+              <a:rPr lang="en-US" dirty="0" smtClean="0"/>
+              <a:t>) and/or executed (</a:t>
+            </a:r>
+            <a:r>
+              <a:rPr lang="en-US" dirty="0" err="1" smtClean="0"/>
+              <a:t>x</a:t>
+            </a:r>
+            <a:r>
+              <a:rPr lang="en-US" dirty="0" smtClean="0"/>
+              <a:t>)</a:t>
+            </a:r>
+          </a:p>
+          <a:p>
+            <a:r>
+              <a:rPr lang="en-US" dirty="0" smtClean="0"/>
+              <a:t>To read from or write to a file, a file handle is opened</a:t>
+            </a:r>
+            <a:endParaRPr lang="en-US" dirty="0" smtClean="0"/>
+          </a:p>
+          <a:p>
+            <a:r>
+              <a:rPr lang="en-US" dirty="0" smtClean="0"/>
+              <a:t>File extensions don’t matter</a:t>
+            </a:r>
+            <a:endParaRPr lang="en-US" dirty="0"/>
           </a:p>
         </p:txBody>
       </p:sp>
@@ -4109,6 +5292,13 @@
   <p:clrMapOvr>
     <a:masterClrMapping/>
   </p:clrMapOvr>
+  <p:timing>
+    <p:tnLst>
+      <p:par>
+        <p:cTn id="1" dur="indefinite" restart="never" nodeType="tmRoot"/>
+      </p:par>
+    </p:tnLst>
+  </p:timing>
 </p:sld>
 </file>
 
@@ -4145,8 +5335,8 @@
           <a:lstStyle/>
           <a:p>
             <a:r>
-              <a:rPr lang="en-US" dirty="0" smtClean="0"/>
-              <a:t>Environment variables</a:t>
+              <a:rPr lang="en-US" smtClean="0"/>
+              <a:t>Commonly-used CLI commands</a:t>
             </a:r>
             <a:endParaRPr lang="en-US" dirty="0"/>
           </a:p>
@@ -4154,20 +5344,1117 @@
       </p:sp>
       <p:sp>
         <p:nvSpPr>
-          <p:cNvPr id="3" name="Content Placeholder 2"/>
-          <p:cNvSpPr>
-            <a:spLocks noGrp="1"/>
-          </p:cNvSpPr>
-          <p:nvPr>
-            <p:ph idx="1"/>
-          </p:nvPr>
-        </p:nvSpPr>
-        <p:spPr/>
+          <p:cNvPr id="14" name="Text Placeholder 13"/>
+          <p:cNvSpPr>
+            <a:spLocks noGrp="1"/>
+          </p:cNvSpPr>
+          <p:nvPr>
+            <p:ph type="body" idx="1"/>
+          </p:nvPr>
+        </p:nvSpPr>
+        <p:spPr>
+          <a:xfrm>
+            <a:off x="457200" y="1066800"/>
+            <a:ext cx="4040188" cy="639762"/>
+          </a:xfrm>
+        </p:spPr>
         <p:txBody>
           <a:bodyPr/>
           <a:lstStyle/>
           <a:p>
-            <a:endParaRPr lang="en-US"/>
+            <a:r>
+              <a:rPr lang="en-US" dirty="0" smtClean="0"/>
+              <a:t>File operations</a:t>
+            </a:r>
+            <a:endParaRPr lang="en-US" dirty="0"/>
+          </a:p>
+        </p:txBody>
+      </p:sp>
+      <p:graphicFrame>
+        <p:nvGraphicFramePr>
+          <p:cNvPr id="10" name="Content Placeholder 9"/>
+          <p:cNvGraphicFramePr>
+            <a:graphicFrameLocks noGrp="1"/>
+          </p:cNvGraphicFramePr>
+          <p:nvPr>
+            <p:ph sz="half" idx="2"/>
+          </p:nvPr>
+        </p:nvGraphicFramePr>
+        <p:xfrm>
+          <a:off x="457200" y="1706562"/>
+          <a:ext cx="4040187" cy="4079240"/>
+        </p:xfrm>
+        <a:graphic>
+          <a:graphicData uri="http://schemas.openxmlformats.org/drawingml/2006/table">
+            <a:tbl>
+              <a:tblPr firstRow="1" bandRow="1">
+                <a:tableStyleId>{5C22544A-7EE6-4342-B048-85BDC9FD1C3A}</a:tableStyleId>
+              </a:tblPr>
+              <a:tblGrid>
+                <a:gridCol w="1372139"/>
+                <a:gridCol w="2668048"/>
+              </a:tblGrid>
+              <a:tr h="370840">
+                <a:tc>
+                  <a:txBody>
+                    <a:bodyPr/>
+                    <a:lstStyle/>
+                    <a:p>
+                      <a:r>
+                        <a:rPr lang="en-US" dirty="0" smtClean="0"/>
+                        <a:t>Command</a:t>
+                      </a:r>
+                      <a:endParaRPr lang="en-US" dirty="0"/>
+                    </a:p>
+                  </a:txBody>
+                  <a:tcPr marL="91476" marR="91476"/>
+                </a:tc>
+                <a:tc>
+                  <a:txBody>
+                    <a:bodyPr/>
+                    <a:lstStyle/>
+                    <a:p>
+                      <a:r>
+                        <a:rPr lang="en-US" dirty="0" smtClean="0"/>
+                        <a:t>Function</a:t>
+                      </a:r>
+                      <a:endParaRPr lang="en-US" dirty="0"/>
+                    </a:p>
+                  </a:txBody>
+                  <a:tcPr marL="91476" marR="91476"/>
+                </a:tc>
+              </a:tr>
+              <a:tr h="370840">
+                <a:tc>
+                  <a:txBody>
+                    <a:bodyPr/>
+                    <a:lstStyle/>
+                    <a:p>
+                      <a:r>
+                        <a:rPr lang="en-US" dirty="0" err="1" smtClean="0"/>
+                        <a:t>ls</a:t>
+                      </a:r>
+                      <a:endParaRPr lang="en-US" dirty="0"/>
+                    </a:p>
+                  </a:txBody>
+                  <a:tcPr marL="91476" marR="91476"/>
+                </a:tc>
+                <a:tc>
+                  <a:txBody>
+                    <a:bodyPr/>
+                    <a:lstStyle/>
+                    <a:p>
+                      <a:r>
+                        <a:rPr lang="en-US" dirty="0" smtClean="0"/>
+                        <a:t>List files</a:t>
+                      </a:r>
+                      <a:endParaRPr lang="en-US" dirty="0"/>
+                    </a:p>
+                  </a:txBody>
+                  <a:tcPr marL="91476" marR="91476"/>
+                </a:tc>
+              </a:tr>
+              <a:tr h="370840">
+                <a:tc>
+                  <a:txBody>
+                    <a:bodyPr/>
+                    <a:lstStyle/>
+                    <a:p>
+                      <a:r>
+                        <a:rPr lang="en-US" dirty="0" err="1" smtClean="0"/>
+                        <a:t>cd</a:t>
+                      </a:r>
+                      <a:endParaRPr lang="en-US" dirty="0"/>
+                    </a:p>
+                  </a:txBody>
+                  <a:tcPr marL="91476" marR="91476"/>
+                </a:tc>
+                <a:tc>
+                  <a:txBody>
+                    <a:bodyPr/>
+                    <a:lstStyle/>
+                    <a:p>
+                      <a:r>
+                        <a:rPr lang="en-US" dirty="0" smtClean="0"/>
+                        <a:t>Change directory</a:t>
+                      </a:r>
+                      <a:endParaRPr lang="en-US" dirty="0"/>
+                    </a:p>
+                  </a:txBody>
+                  <a:tcPr marL="91476" marR="91476"/>
+                </a:tc>
+              </a:tr>
+              <a:tr h="370840">
+                <a:tc>
+                  <a:txBody>
+                    <a:bodyPr/>
+                    <a:lstStyle/>
+                    <a:p>
+                      <a:r>
+                        <a:rPr lang="en-US" dirty="0" err="1" smtClean="0"/>
+                        <a:t>pwd</a:t>
+                      </a:r>
+                      <a:endParaRPr lang="en-US" dirty="0"/>
+                    </a:p>
+                  </a:txBody>
+                  <a:tcPr marL="91476" marR="91476"/>
+                </a:tc>
+                <a:tc>
+                  <a:txBody>
+                    <a:bodyPr/>
+                    <a:lstStyle/>
+                    <a:p>
+                      <a:r>
+                        <a:rPr lang="en-US" dirty="0" smtClean="0"/>
+                        <a:t>Print working directory</a:t>
+                      </a:r>
+                      <a:endParaRPr lang="en-US" dirty="0"/>
+                    </a:p>
+                  </a:txBody>
+                  <a:tcPr marL="91476" marR="91476"/>
+                </a:tc>
+              </a:tr>
+              <a:tr h="370840">
+                <a:tc>
+                  <a:txBody>
+                    <a:bodyPr/>
+                    <a:lstStyle/>
+                    <a:p>
+                      <a:r>
+                        <a:rPr lang="en-US" dirty="0" err="1" smtClean="0"/>
+                        <a:t>rm</a:t>
+                      </a:r>
+                      <a:endParaRPr lang="en-US" dirty="0"/>
+                    </a:p>
+                  </a:txBody>
+                  <a:tcPr marL="91476" marR="91476"/>
+                </a:tc>
+                <a:tc>
+                  <a:txBody>
+                    <a:bodyPr/>
+                    <a:lstStyle/>
+                    <a:p>
+                      <a:r>
+                        <a:rPr lang="en-US" dirty="0" smtClean="0"/>
+                        <a:t>Delete files</a:t>
+                      </a:r>
+                      <a:endParaRPr lang="en-US" dirty="0"/>
+                    </a:p>
+                  </a:txBody>
+                  <a:tcPr marL="91476" marR="91476"/>
+                </a:tc>
+              </a:tr>
+              <a:tr h="370840">
+                <a:tc>
+                  <a:txBody>
+                    <a:bodyPr/>
+                    <a:lstStyle/>
+                    <a:p>
+                      <a:r>
+                        <a:rPr lang="en-US" dirty="0" smtClean="0"/>
+                        <a:t>cp</a:t>
+                      </a:r>
+                      <a:endParaRPr lang="en-US" dirty="0"/>
+                    </a:p>
+                  </a:txBody>
+                  <a:tcPr marL="91476" marR="91476"/>
+                </a:tc>
+                <a:tc>
+                  <a:txBody>
+                    <a:bodyPr/>
+                    <a:lstStyle/>
+                    <a:p>
+                      <a:r>
+                        <a:rPr lang="en-US" dirty="0" smtClean="0"/>
+                        <a:t>Copy files</a:t>
+                      </a:r>
+                      <a:endParaRPr lang="en-US" dirty="0"/>
+                    </a:p>
+                  </a:txBody>
+                  <a:tcPr marL="91476" marR="91476"/>
+                </a:tc>
+              </a:tr>
+              <a:tr h="370840">
+                <a:tc>
+                  <a:txBody>
+                    <a:bodyPr/>
+                    <a:lstStyle/>
+                    <a:p>
+                      <a:r>
+                        <a:rPr lang="en-US" dirty="0" err="1" smtClean="0"/>
+                        <a:t>mv</a:t>
+                      </a:r>
+                      <a:endParaRPr lang="en-US" dirty="0"/>
+                    </a:p>
+                  </a:txBody>
+                  <a:tcPr marL="91476" marR="91476"/>
+                </a:tc>
+                <a:tc>
+                  <a:txBody>
+                    <a:bodyPr/>
+                    <a:lstStyle/>
+                    <a:p>
+                      <a:r>
+                        <a:rPr lang="en-US" dirty="0" smtClean="0"/>
+                        <a:t>Rename/move files</a:t>
+                      </a:r>
+                      <a:endParaRPr lang="en-US" dirty="0"/>
+                    </a:p>
+                  </a:txBody>
+                  <a:tcPr marL="91476" marR="91476"/>
+                </a:tc>
+              </a:tr>
+              <a:tr h="370840">
+                <a:tc>
+                  <a:txBody>
+                    <a:bodyPr/>
+                    <a:lstStyle/>
+                    <a:p>
+                      <a:r>
+                        <a:rPr lang="en-US" dirty="0" err="1" smtClean="0"/>
+                        <a:t>mkdir</a:t>
+                      </a:r>
+                      <a:endParaRPr lang="en-US" dirty="0"/>
+                    </a:p>
+                  </a:txBody>
+                  <a:tcPr marL="91476" marR="91476"/>
+                </a:tc>
+                <a:tc>
+                  <a:txBody>
+                    <a:bodyPr/>
+                    <a:lstStyle/>
+                    <a:p>
+                      <a:r>
+                        <a:rPr lang="en-US" dirty="0" smtClean="0"/>
+                        <a:t>Make directory</a:t>
+                      </a:r>
+                      <a:endParaRPr lang="en-US" dirty="0"/>
+                    </a:p>
+                  </a:txBody>
+                  <a:tcPr marL="91476" marR="91476"/>
+                </a:tc>
+              </a:tr>
+              <a:tr h="370840">
+                <a:tc>
+                  <a:txBody>
+                    <a:bodyPr/>
+                    <a:lstStyle/>
+                    <a:p>
+                      <a:r>
+                        <a:rPr lang="en-US" dirty="0" err="1" smtClean="0"/>
+                        <a:t>rmdir</a:t>
+                      </a:r>
+                      <a:endParaRPr lang="en-US" dirty="0"/>
+                    </a:p>
+                  </a:txBody>
+                  <a:tcPr marL="91476" marR="91476"/>
+                </a:tc>
+                <a:tc>
+                  <a:txBody>
+                    <a:bodyPr/>
+                    <a:lstStyle/>
+                    <a:p>
+                      <a:r>
+                        <a:rPr lang="en-US" dirty="0" smtClean="0"/>
+                        <a:t>Delete directory</a:t>
+                      </a:r>
+                      <a:endParaRPr lang="en-US" dirty="0"/>
+                    </a:p>
+                  </a:txBody>
+                  <a:tcPr marL="91476" marR="91476"/>
+                </a:tc>
+              </a:tr>
+              <a:tr h="370840">
+                <a:tc>
+                  <a:txBody>
+                    <a:bodyPr/>
+                    <a:lstStyle/>
+                    <a:p>
+                      <a:r>
+                        <a:rPr lang="en-US" dirty="0" err="1" smtClean="0"/>
+                        <a:t>chmod</a:t>
+                      </a:r>
+                      <a:endParaRPr lang="en-US" dirty="0"/>
+                    </a:p>
+                  </a:txBody>
+                  <a:tcPr marL="91476" marR="91476"/>
+                </a:tc>
+                <a:tc>
+                  <a:txBody>
+                    <a:bodyPr/>
+                    <a:lstStyle/>
+                    <a:p>
+                      <a:r>
+                        <a:rPr lang="en-US" dirty="0" smtClean="0"/>
+                        <a:t>Change mode</a:t>
+                      </a:r>
+                      <a:endParaRPr lang="en-US" dirty="0"/>
+                    </a:p>
+                  </a:txBody>
+                  <a:tcPr marL="91476" marR="91476"/>
+                </a:tc>
+              </a:tr>
+              <a:tr h="370840">
+                <a:tc>
+                  <a:txBody>
+                    <a:bodyPr/>
+                    <a:lstStyle/>
+                    <a:p>
+                      <a:r>
+                        <a:rPr lang="en-US" dirty="0" err="1" smtClean="0"/>
+                        <a:t>chown</a:t>
+                      </a:r>
+                      <a:endParaRPr lang="en-US" dirty="0"/>
+                    </a:p>
+                  </a:txBody>
+                  <a:tcPr marL="91476" marR="91476"/>
+                </a:tc>
+                <a:tc>
+                  <a:txBody>
+                    <a:bodyPr/>
+                    <a:lstStyle/>
+                    <a:p>
+                      <a:r>
+                        <a:rPr lang="en-US" dirty="0" smtClean="0"/>
+                        <a:t>Change owner</a:t>
+                      </a:r>
+                      <a:endParaRPr lang="en-US" dirty="0"/>
+                    </a:p>
+                  </a:txBody>
+                  <a:tcPr marL="91476" marR="91476"/>
+                </a:tc>
+              </a:tr>
+            </a:tbl>
+          </a:graphicData>
+        </a:graphic>
+      </p:graphicFrame>
+      <p:sp>
+        <p:nvSpPr>
+          <p:cNvPr id="15" name="Text Placeholder 14"/>
+          <p:cNvSpPr>
+            <a:spLocks noGrp="1"/>
+          </p:cNvSpPr>
+          <p:nvPr>
+            <p:ph type="body" sz="quarter" idx="3"/>
+          </p:nvPr>
+        </p:nvSpPr>
+        <p:spPr>
+          <a:xfrm>
+            <a:off x="4645025" y="1066800"/>
+            <a:ext cx="4041775" cy="639762"/>
+          </a:xfrm>
+        </p:spPr>
+        <p:txBody>
+          <a:bodyPr/>
+          <a:lstStyle/>
+          <a:p>
+            <a:r>
+              <a:rPr lang="en-US" dirty="0" smtClean="0"/>
+              <a:t>Text operations</a:t>
+            </a:r>
+            <a:endParaRPr lang="en-US" dirty="0"/>
+          </a:p>
+        </p:txBody>
+      </p:sp>
+      <p:graphicFrame>
+        <p:nvGraphicFramePr>
+          <p:cNvPr id="17" name="Content Placeholder 16"/>
+          <p:cNvGraphicFramePr>
+            <a:graphicFrameLocks noGrp="1"/>
+          </p:cNvGraphicFramePr>
+          <p:nvPr>
+            <p:ph sz="quarter" idx="4"/>
+          </p:nvPr>
+        </p:nvGraphicFramePr>
+        <p:xfrm>
+          <a:off x="4645025" y="1706562"/>
+          <a:ext cx="4041776" cy="4079240"/>
+        </p:xfrm>
+        <a:graphic>
+          <a:graphicData uri="http://schemas.openxmlformats.org/drawingml/2006/table">
+            <a:tbl>
+              <a:tblPr firstRow="1" bandRow="1">
+                <a:tableStyleId>{21E4AEA4-8DFA-4A89-87EB-49C32662AFE0}</a:tableStyleId>
+              </a:tblPr>
+              <a:tblGrid>
+                <a:gridCol w="1222375"/>
+                <a:gridCol w="2819401"/>
+              </a:tblGrid>
+              <a:tr h="370840">
+                <a:tc>
+                  <a:txBody>
+                    <a:bodyPr/>
+                    <a:lstStyle/>
+                    <a:p>
+                      <a:r>
+                        <a:rPr lang="en-US" dirty="0" smtClean="0"/>
+                        <a:t>Command</a:t>
+                      </a:r>
+                      <a:endParaRPr lang="en-US" dirty="0"/>
+                    </a:p>
+                  </a:txBody>
+                  <a:tcPr/>
+                </a:tc>
+                <a:tc>
+                  <a:txBody>
+                    <a:bodyPr/>
+                    <a:lstStyle/>
+                    <a:p>
+                      <a:r>
+                        <a:rPr lang="en-US" dirty="0" smtClean="0"/>
+                        <a:t>Function</a:t>
+                      </a:r>
+                      <a:endParaRPr lang="en-US" dirty="0"/>
+                    </a:p>
+                  </a:txBody>
+                  <a:tcPr/>
+                </a:tc>
+              </a:tr>
+              <a:tr h="370840">
+                <a:tc>
+                  <a:txBody>
+                    <a:bodyPr/>
+                    <a:lstStyle/>
+                    <a:p>
+                      <a:r>
+                        <a:rPr lang="en-US" dirty="0" smtClean="0"/>
+                        <a:t>more</a:t>
+                      </a:r>
+                      <a:endParaRPr lang="en-US" dirty="0"/>
+                    </a:p>
+                  </a:txBody>
+                  <a:tcPr/>
+                </a:tc>
+                <a:tc>
+                  <a:txBody>
+                    <a:bodyPr/>
+                    <a:lstStyle/>
+                    <a:p>
+                      <a:pPr marL="0" marR="0" indent="0" algn="l" defTabSz="457200" rtl="0" eaLnBrk="1" fontAlgn="auto" latinLnBrk="0" hangingPunct="1">
+                        <a:lnSpc>
+                          <a:spcPct val="100000"/>
+                        </a:lnSpc>
+                        <a:spcBef>
+                          <a:spcPts val="0"/>
+                        </a:spcBef>
+                        <a:spcAft>
+                          <a:spcPts val="0"/>
+                        </a:spcAft>
+                        <a:buClrTx/>
+                        <a:buSzTx/>
+                        <a:buFontTx/>
+                        <a:buNone/>
+                        <a:tabLst/>
+                        <a:defRPr/>
+                      </a:pPr>
+                      <a:r>
+                        <a:rPr lang="en-US" dirty="0" smtClean="0"/>
+                        <a:t>Page through text</a:t>
+                      </a:r>
+                    </a:p>
+                  </a:txBody>
+                  <a:tcPr/>
+                </a:tc>
+              </a:tr>
+              <a:tr h="370840">
+                <a:tc>
+                  <a:txBody>
+                    <a:bodyPr/>
+                    <a:lstStyle/>
+                    <a:p>
+                      <a:pPr marL="0" marR="0" indent="0" algn="l" defTabSz="457200" rtl="0" eaLnBrk="1" fontAlgn="auto" latinLnBrk="0" hangingPunct="1">
+                        <a:lnSpc>
+                          <a:spcPct val="100000"/>
+                        </a:lnSpc>
+                        <a:spcBef>
+                          <a:spcPts val="0"/>
+                        </a:spcBef>
+                        <a:spcAft>
+                          <a:spcPts val="0"/>
+                        </a:spcAft>
+                        <a:buClrTx/>
+                        <a:buSzTx/>
+                        <a:buFontTx/>
+                        <a:buNone/>
+                        <a:tabLst/>
+                        <a:defRPr/>
+                      </a:pPr>
+                      <a:r>
+                        <a:rPr lang="en-US" dirty="0" smtClean="0"/>
+                        <a:t>head</a:t>
+                      </a:r>
+                    </a:p>
+                  </a:txBody>
+                  <a:tcPr/>
+                </a:tc>
+                <a:tc>
+                  <a:txBody>
+                    <a:bodyPr/>
+                    <a:lstStyle/>
+                    <a:p>
+                      <a:pPr marL="0" marR="0" indent="0" algn="l" defTabSz="457200" rtl="0" eaLnBrk="1" fontAlgn="auto" latinLnBrk="0" hangingPunct="1">
+                        <a:lnSpc>
+                          <a:spcPct val="100000"/>
+                        </a:lnSpc>
+                        <a:spcBef>
+                          <a:spcPts val="0"/>
+                        </a:spcBef>
+                        <a:spcAft>
+                          <a:spcPts val="0"/>
+                        </a:spcAft>
+                        <a:buClrTx/>
+                        <a:buSzTx/>
+                        <a:buFontTx/>
+                        <a:buNone/>
+                        <a:tabLst/>
+                        <a:defRPr/>
+                      </a:pPr>
+                      <a:r>
+                        <a:rPr lang="en-US" dirty="0" smtClean="0"/>
+                        <a:t>View first lines of file</a:t>
+                      </a:r>
+                    </a:p>
+                  </a:txBody>
+                  <a:tcPr/>
+                </a:tc>
+              </a:tr>
+              <a:tr h="370840">
+                <a:tc>
+                  <a:txBody>
+                    <a:bodyPr/>
+                    <a:lstStyle/>
+                    <a:p>
+                      <a:pPr marL="0" marR="0" indent="0" algn="l" defTabSz="457200" rtl="0" eaLnBrk="1" fontAlgn="auto" latinLnBrk="0" hangingPunct="1">
+                        <a:lnSpc>
+                          <a:spcPct val="100000"/>
+                        </a:lnSpc>
+                        <a:spcBef>
+                          <a:spcPts val="0"/>
+                        </a:spcBef>
+                        <a:spcAft>
+                          <a:spcPts val="0"/>
+                        </a:spcAft>
+                        <a:buClrTx/>
+                        <a:buSzTx/>
+                        <a:buFontTx/>
+                        <a:buNone/>
+                        <a:tabLst/>
+                        <a:defRPr/>
+                      </a:pPr>
+                      <a:r>
+                        <a:rPr lang="en-US" dirty="0" smtClean="0"/>
+                        <a:t>tail</a:t>
+                      </a:r>
+                    </a:p>
+                  </a:txBody>
+                  <a:tcPr/>
+                </a:tc>
+                <a:tc>
+                  <a:txBody>
+                    <a:bodyPr/>
+                    <a:lstStyle/>
+                    <a:p>
+                      <a:pPr marL="0" marR="0" indent="0" algn="l" defTabSz="457200" rtl="0" eaLnBrk="1" fontAlgn="auto" latinLnBrk="0" hangingPunct="1">
+                        <a:lnSpc>
+                          <a:spcPct val="100000"/>
+                        </a:lnSpc>
+                        <a:spcBef>
+                          <a:spcPts val="0"/>
+                        </a:spcBef>
+                        <a:spcAft>
+                          <a:spcPts val="0"/>
+                        </a:spcAft>
+                        <a:buClrTx/>
+                        <a:buSzTx/>
+                        <a:buFontTx/>
+                        <a:buNone/>
+                        <a:tabLst/>
+                        <a:defRPr/>
+                      </a:pPr>
+                      <a:r>
+                        <a:rPr lang="en-US" dirty="0" smtClean="0"/>
+                        <a:t>View last lines of file</a:t>
+                      </a:r>
+                    </a:p>
+                  </a:txBody>
+                  <a:tcPr/>
+                </a:tc>
+              </a:tr>
+              <a:tr h="370840">
+                <a:tc>
+                  <a:txBody>
+                    <a:bodyPr/>
+                    <a:lstStyle/>
+                    <a:p>
+                      <a:pPr marL="0" marR="0" indent="0" algn="l" defTabSz="457200" rtl="0" eaLnBrk="1" fontAlgn="auto" latinLnBrk="0" hangingPunct="1">
+                        <a:lnSpc>
+                          <a:spcPct val="100000"/>
+                        </a:lnSpc>
+                        <a:spcBef>
+                          <a:spcPts val="0"/>
+                        </a:spcBef>
+                        <a:spcAft>
+                          <a:spcPts val="0"/>
+                        </a:spcAft>
+                        <a:buClrTx/>
+                        <a:buSzTx/>
+                        <a:buFontTx/>
+                        <a:buNone/>
+                        <a:tabLst/>
+                        <a:defRPr/>
+                      </a:pPr>
+                      <a:r>
+                        <a:rPr lang="en-US" dirty="0" err="1" smtClean="0"/>
+                        <a:t>grep</a:t>
+                      </a:r>
+                      <a:endParaRPr lang="en-US" dirty="0" smtClean="0"/>
+                    </a:p>
+                  </a:txBody>
+                  <a:tcPr/>
+                </a:tc>
+                <a:tc>
+                  <a:txBody>
+                    <a:bodyPr/>
+                    <a:lstStyle/>
+                    <a:p>
+                      <a:pPr marL="0" marR="0" indent="0" algn="l" defTabSz="457200" rtl="0" eaLnBrk="1" fontAlgn="auto" latinLnBrk="0" hangingPunct="1">
+                        <a:lnSpc>
+                          <a:spcPct val="100000"/>
+                        </a:lnSpc>
+                        <a:spcBef>
+                          <a:spcPts val="0"/>
+                        </a:spcBef>
+                        <a:spcAft>
+                          <a:spcPts val="0"/>
+                        </a:spcAft>
+                        <a:buClrTx/>
+                        <a:buSzTx/>
+                        <a:buFontTx/>
+                        <a:buNone/>
+                        <a:tabLst/>
+                        <a:defRPr/>
+                      </a:pPr>
+                      <a:r>
+                        <a:rPr lang="en-US" dirty="0" smtClean="0"/>
+                        <a:t>Search line by line</a:t>
+                      </a:r>
+                    </a:p>
+                  </a:txBody>
+                  <a:tcPr/>
+                </a:tc>
+              </a:tr>
+              <a:tr h="370840">
+                <a:tc>
+                  <a:txBody>
+                    <a:bodyPr/>
+                    <a:lstStyle/>
+                    <a:p>
+                      <a:pPr marL="0" marR="0" indent="0" algn="l" defTabSz="457200" rtl="0" eaLnBrk="1" fontAlgn="auto" latinLnBrk="0" hangingPunct="1">
+                        <a:lnSpc>
+                          <a:spcPct val="100000"/>
+                        </a:lnSpc>
+                        <a:spcBef>
+                          <a:spcPts val="0"/>
+                        </a:spcBef>
+                        <a:spcAft>
+                          <a:spcPts val="0"/>
+                        </a:spcAft>
+                        <a:buClrTx/>
+                        <a:buSzTx/>
+                        <a:buFontTx/>
+                        <a:buNone/>
+                        <a:tabLst/>
+                        <a:defRPr/>
+                      </a:pPr>
+                      <a:r>
+                        <a:rPr lang="en-US" dirty="0" err="1" smtClean="0"/>
+                        <a:t>sed</a:t>
+                      </a:r>
+                      <a:endParaRPr lang="en-US" dirty="0" smtClean="0"/>
+                    </a:p>
+                  </a:txBody>
+                  <a:tcPr/>
+                </a:tc>
+                <a:tc>
+                  <a:txBody>
+                    <a:bodyPr/>
+                    <a:lstStyle/>
+                    <a:p>
+                      <a:pPr marL="0" marR="0" indent="0" algn="l" defTabSz="457200" rtl="0" eaLnBrk="1" fontAlgn="auto" latinLnBrk="0" hangingPunct="1">
+                        <a:lnSpc>
+                          <a:spcPct val="100000"/>
+                        </a:lnSpc>
+                        <a:spcBef>
+                          <a:spcPts val="0"/>
+                        </a:spcBef>
+                        <a:spcAft>
+                          <a:spcPts val="0"/>
+                        </a:spcAft>
+                        <a:buClrTx/>
+                        <a:buSzTx/>
+                        <a:buFontTx/>
+                        <a:buNone/>
+                        <a:tabLst/>
+                        <a:defRPr/>
+                      </a:pPr>
+                      <a:r>
+                        <a:rPr lang="en-US" dirty="0" smtClean="0"/>
+                        <a:t>Search and replace</a:t>
+                      </a:r>
+                    </a:p>
+                  </a:txBody>
+                  <a:tcPr/>
+                </a:tc>
+              </a:tr>
+              <a:tr h="370840">
+                <a:tc>
+                  <a:txBody>
+                    <a:bodyPr/>
+                    <a:lstStyle/>
+                    <a:p>
+                      <a:pPr marL="0" marR="0" indent="0" algn="l" defTabSz="457200" rtl="0" eaLnBrk="1" fontAlgn="auto" latinLnBrk="0" hangingPunct="1">
+                        <a:lnSpc>
+                          <a:spcPct val="100000"/>
+                        </a:lnSpc>
+                        <a:spcBef>
+                          <a:spcPts val="0"/>
+                        </a:spcBef>
+                        <a:spcAft>
+                          <a:spcPts val="0"/>
+                        </a:spcAft>
+                        <a:buClrTx/>
+                        <a:buSzTx/>
+                        <a:buFontTx/>
+                        <a:buNone/>
+                        <a:tabLst/>
+                        <a:defRPr/>
+                      </a:pPr>
+                      <a:r>
+                        <a:rPr lang="en-US" dirty="0" smtClean="0"/>
+                        <a:t>sort</a:t>
+                      </a:r>
+                    </a:p>
+                  </a:txBody>
+                  <a:tcPr/>
+                </a:tc>
+                <a:tc>
+                  <a:txBody>
+                    <a:bodyPr/>
+                    <a:lstStyle/>
+                    <a:p>
+                      <a:pPr marL="0" marR="0" indent="0" algn="l" defTabSz="457200" rtl="0" eaLnBrk="1" fontAlgn="auto" latinLnBrk="0" hangingPunct="1">
+                        <a:lnSpc>
+                          <a:spcPct val="100000"/>
+                        </a:lnSpc>
+                        <a:spcBef>
+                          <a:spcPts val="0"/>
+                        </a:spcBef>
+                        <a:spcAft>
+                          <a:spcPts val="0"/>
+                        </a:spcAft>
+                        <a:buClrTx/>
+                        <a:buSzTx/>
+                        <a:buFontTx/>
+                        <a:buNone/>
+                        <a:tabLst/>
+                        <a:defRPr/>
+                      </a:pPr>
+                      <a:r>
+                        <a:rPr lang="en-US" dirty="0" smtClean="0"/>
+                        <a:t>Sort lines</a:t>
+                      </a:r>
+                    </a:p>
+                  </a:txBody>
+                  <a:tcPr/>
+                </a:tc>
+              </a:tr>
+              <a:tr h="370840">
+                <a:tc>
+                  <a:txBody>
+                    <a:bodyPr/>
+                    <a:lstStyle/>
+                    <a:p>
+                      <a:pPr marL="0" marR="0" indent="0" algn="l" defTabSz="457200" rtl="0" eaLnBrk="1" fontAlgn="auto" latinLnBrk="0" hangingPunct="1">
+                        <a:lnSpc>
+                          <a:spcPct val="100000"/>
+                        </a:lnSpc>
+                        <a:spcBef>
+                          <a:spcPts val="0"/>
+                        </a:spcBef>
+                        <a:spcAft>
+                          <a:spcPts val="0"/>
+                        </a:spcAft>
+                        <a:buClrTx/>
+                        <a:buSzTx/>
+                        <a:buFontTx/>
+                        <a:buNone/>
+                        <a:tabLst/>
+                        <a:defRPr/>
+                      </a:pPr>
+                      <a:r>
+                        <a:rPr lang="en-US" dirty="0" err="1" smtClean="0"/>
+                        <a:t>uniq</a:t>
+                      </a:r>
+                      <a:endParaRPr lang="en-US" dirty="0" smtClean="0"/>
+                    </a:p>
+                  </a:txBody>
+                  <a:tcPr/>
+                </a:tc>
+                <a:tc>
+                  <a:txBody>
+                    <a:bodyPr/>
+                    <a:lstStyle/>
+                    <a:p>
+                      <a:pPr marL="0" marR="0" indent="0" algn="l" defTabSz="457200" rtl="0" eaLnBrk="1" fontAlgn="auto" latinLnBrk="0" hangingPunct="1">
+                        <a:lnSpc>
+                          <a:spcPct val="100000"/>
+                        </a:lnSpc>
+                        <a:spcBef>
+                          <a:spcPts val="0"/>
+                        </a:spcBef>
+                        <a:spcAft>
+                          <a:spcPts val="0"/>
+                        </a:spcAft>
+                        <a:buClrTx/>
+                        <a:buSzTx/>
+                        <a:buFontTx/>
+                        <a:buNone/>
+                        <a:tabLst/>
+                        <a:defRPr/>
+                      </a:pPr>
+                      <a:r>
+                        <a:rPr lang="en-US" dirty="0" smtClean="0"/>
+                        <a:t>Filter duplicate</a:t>
+                      </a:r>
+                      <a:r>
+                        <a:rPr lang="en-US" baseline="0" dirty="0" smtClean="0"/>
+                        <a:t> lines</a:t>
+                      </a:r>
+                      <a:endParaRPr lang="en-US" dirty="0" smtClean="0"/>
+                    </a:p>
+                  </a:txBody>
+                  <a:tcPr/>
+                </a:tc>
+              </a:tr>
+              <a:tr h="370840">
+                <a:tc>
+                  <a:txBody>
+                    <a:bodyPr/>
+                    <a:lstStyle/>
+                    <a:p>
+                      <a:pPr marL="0" marR="0" indent="0" algn="l" defTabSz="457200" rtl="0" eaLnBrk="1" fontAlgn="auto" latinLnBrk="0" hangingPunct="1">
+                        <a:lnSpc>
+                          <a:spcPct val="100000"/>
+                        </a:lnSpc>
+                        <a:spcBef>
+                          <a:spcPts val="0"/>
+                        </a:spcBef>
+                        <a:spcAft>
+                          <a:spcPts val="0"/>
+                        </a:spcAft>
+                        <a:buClrTx/>
+                        <a:buSzTx/>
+                        <a:buFontTx/>
+                        <a:buNone/>
+                        <a:tabLst/>
+                        <a:defRPr/>
+                      </a:pPr>
+                      <a:r>
+                        <a:rPr lang="en-US" dirty="0" smtClean="0"/>
+                        <a:t>cat</a:t>
+                      </a:r>
+                    </a:p>
+                  </a:txBody>
+                  <a:tcPr/>
+                </a:tc>
+                <a:tc>
+                  <a:txBody>
+                    <a:bodyPr/>
+                    <a:lstStyle/>
+                    <a:p>
+                      <a:pPr marL="0" marR="0" indent="0" algn="l" defTabSz="457200" rtl="0" eaLnBrk="1" fontAlgn="auto" latinLnBrk="0" hangingPunct="1">
+                        <a:lnSpc>
+                          <a:spcPct val="100000"/>
+                        </a:lnSpc>
+                        <a:spcBef>
+                          <a:spcPts val="0"/>
+                        </a:spcBef>
+                        <a:spcAft>
+                          <a:spcPts val="0"/>
+                        </a:spcAft>
+                        <a:buClrTx/>
+                        <a:buSzTx/>
+                        <a:buFontTx/>
+                        <a:buNone/>
+                        <a:tabLst/>
+                        <a:defRPr/>
+                      </a:pPr>
+                      <a:r>
+                        <a:rPr lang="en-US" dirty="0" smtClean="0"/>
+                        <a:t>Print file contents</a:t>
+                      </a:r>
+                    </a:p>
+                  </a:txBody>
+                  <a:tcPr/>
+                </a:tc>
+              </a:tr>
+              <a:tr h="370840">
+                <a:tc>
+                  <a:txBody>
+                    <a:bodyPr/>
+                    <a:lstStyle/>
+                    <a:p>
+                      <a:pPr marL="0" marR="0" indent="0" algn="l" defTabSz="457200" rtl="0" eaLnBrk="1" fontAlgn="auto" latinLnBrk="0" hangingPunct="1">
+                        <a:lnSpc>
+                          <a:spcPct val="100000"/>
+                        </a:lnSpc>
+                        <a:spcBef>
+                          <a:spcPts val="0"/>
+                        </a:spcBef>
+                        <a:spcAft>
+                          <a:spcPts val="0"/>
+                        </a:spcAft>
+                        <a:buClrTx/>
+                        <a:buSzTx/>
+                        <a:buFontTx/>
+                        <a:buNone/>
+                        <a:tabLst/>
+                        <a:defRPr/>
+                      </a:pPr>
+                      <a:r>
+                        <a:rPr lang="en-US" dirty="0" err="1" smtClean="0"/>
+                        <a:t>wc</a:t>
+                      </a:r>
+                      <a:endParaRPr lang="en-US" dirty="0" smtClean="0"/>
+                    </a:p>
+                  </a:txBody>
+                  <a:tcPr/>
+                </a:tc>
+                <a:tc>
+                  <a:txBody>
+                    <a:bodyPr/>
+                    <a:lstStyle/>
+                    <a:p>
+                      <a:pPr marL="0" marR="0" indent="0" algn="l" defTabSz="457200" rtl="0" eaLnBrk="1" fontAlgn="auto" latinLnBrk="0" hangingPunct="1">
+                        <a:lnSpc>
+                          <a:spcPct val="100000"/>
+                        </a:lnSpc>
+                        <a:spcBef>
+                          <a:spcPts val="0"/>
+                        </a:spcBef>
+                        <a:spcAft>
+                          <a:spcPts val="0"/>
+                        </a:spcAft>
+                        <a:buClrTx/>
+                        <a:buSzTx/>
+                        <a:buFontTx/>
+                        <a:buNone/>
+                        <a:tabLst/>
+                        <a:defRPr/>
+                      </a:pPr>
+                      <a:r>
+                        <a:rPr lang="en-US" dirty="0" smtClean="0"/>
+                        <a:t>Word count</a:t>
+                      </a:r>
+                    </a:p>
+                  </a:txBody>
+                  <a:tcPr/>
+                </a:tc>
+              </a:tr>
+              <a:tr h="370840">
+                <a:tc>
+                  <a:txBody>
+                    <a:bodyPr/>
+                    <a:lstStyle/>
+                    <a:p>
+                      <a:pPr marL="0" marR="0" indent="0" algn="l" defTabSz="457200" rtl="0" eaLnBrk="1" fontAlgn="auto" latinLnBrk="0" hangingPunct="1">
+                        <a:lnSpc>
+                          <a:spcPct val="100000"/>
+                        </a:lnSpc>
+                        <a:spcBef>
+                          <a:spcPts val="0"/>
+                        </a:spcBef>
+                        <a:spcAft>
+                          <a:spcPts val="0"/>
+                        </a:spcAft>
+                        <a:buClrTx/>
+                        <a:buSzTx/>
+                        <a:buFontTx/>
+                        <a:buNone/>
+                        <a:tabLst/>
+                        <a:defRPr/>
+                      </a:pPr>
+                      <a:r>
+                        <a:rPr lang="en-US" dirty="0" err="1" smtClean="0"/>
+                        <a:t>awk</a:t>
+                      </a:r>
+                      <a:endParaRPr lang="en-US" dirty="0" smtClean="0"/>
+                    </a:p>
+                  </a:txBody>
+                  <a:tcPr/>
+                </a:tc>
+                <a:tc>
+                  <a:txBody>
+                    <a:bodyPr/>
+                    <a:lstStyle/>
+                    <a:p>
+                      <a:pPr marL="0" marR="0" indent="0" algn="l" defTabSz="457200" rtl="0" eaLnBrk="1" fontAlgn="auto" latinLnBrk="0" hangingPunct="1">
+                        <a:lnSpc>
+                          <a:spcPct val="100000"/>
+                        </a:lnSpc>
+                        <a:spcBef>
+                          <a:spcPts val="0"/>
+                        </a:spcBef>
+                        <a:spcAft>
+                          <a:spcPts val="0"/>
+                        </a:spcAft>
+                        <a:buClrTx/>
+                        <a:buSzTx/>
+                        <a:buFontTx/>
+                        <a:buNone/>
+                        <a:tabLst/>
+                        <a:defRPr/>
+                      </a:pPr>
+                      <a:r>
+                        <a:rPr lang="en-US" dirty="0" smtClean="0"/>
+                        <a:t>Tabular data processing</a:t>
+                      </a:r>
+                    </a:p>
+                  </a:txBody>
+                  <a:tcPr/>
+                </a:tc>
+              </a:tr>
+            </a:tbl>
+          </a:graphicData>
+        </a:graphic>
+      </p:graphicFrame>
+      <p:sp>
+        <p:nvSpPr>
+          <p:cNvPr id="18" name="TextBox 17"/>
+          <p:cNvSpPr txBox="1"/>
+          <p:nvPr/>
+        </p:nvSpPr>
+        <p:spPr>
+          <a:xfrm>
+            <a:off x="457200" y="5943600"/>
+            <a:ext cx="8131140" cy="369332"/>
+          </a:xfrm>
+          <a:prstGeom prst="rect">
+            <a:avLst/>
+          </a:prstGeom>
+          <a:noFill/>
+        </p:spPr>
+        <p:txBody>
+          <a:bodyPr wrap="none" rtlCol="0">
+            <a:spAutoFit/>
+          </a:bodyPr>
+          <a:lstStyle/>
+          <a:p>
+            <a:r>
+              <a:rPr lang="en-US" dirty="0" smtClean="0"/>
+              <a:t>Commands are binaries that are executed by typing their names on a terminal shell $</a:t>
+            </a:r>
+            <a:endParaRPr lang="en-US" dirty="0"/>
           </a:p>
         </p:txBody>
       </p:sp>
@@ -4176,6 +6463,13 @@
   <p:clrMapOvr>
     <a:masterClrMapping/>
   </p:clrMapOvr>
+  <p:timing>
+    <p:tnLst>
+      <p:par>
+        <p:cTn id="1" dur="indefinite" restart="never" nodeType="tmRoot"/>
+      </p:par>
+    </p:tnLst>
+  </p:timing>
 </p:sld>
 </file>
 
@@ -4213,7 +6507,7 @@
           <a:p>
             <a:r>
               <a:rPr lang="en-US" dirty="0" smtClean="0"/>
-              <a:t>File descriptors</a:t>
+              <a:t>UNIX pipes</a:t>
             </a:r>
             <a:endParaRPr lang="en-US" dirty="0"/>
           </a:p>
@@ -4234,7 +6528,80 @@
           <a:bodyPr/>
           <a:lstStyle/>
           <a:p>
-            <a:endParaRPr lang="en-US"/>
+            <a:r>
+              <a:rPr lang="en-US" dirty="0" smtClean="0"/>
+              <a:t>UNIX programs by default </a:t>
+            </a:r>
+            <a:r>
+              <a:rPr lang="en-US" dirty="0" smtClean="0"/>
+              <a:t>write to STDOUT and read from STDIN</a:t>
+            </a:r>
+          </a:p>
+          <a:p>
+            <a:r>
+              <a:rPr lang="en-US" dirty="0" smtClean="0"/>
+              <a:t>The defaults can be re-directed with “&gt; </a:t>
+            </a:r>
+            <a:r>
+              <a:rPr lang="en-US" dirty="0" err="1" smtClean="0"/>
+              <a:t>outfile</a:t>
+            </a:r>
+            <a:r>
+              <a:rPr lang="en-US" dirty="0" smtClean="0"/>
+              <a:t>” and “&lt; </a:t>
+            </a:r>
+            <a:r>
+              <a:rPr lang="en-US" dirty="0" err="1" smtClean="0"/>
+              <a:t>infile</a:t>
+            </a:r>
+            <a:r>
+              <a:rPr lang="en-US" dirty="0" smtClean="0"/>
+              <a:t>”, respectively</a:t>
+            </a:r>
+          </a:p>
+          <a:p>
+            <a:r>
+              <a:rPr lang="en-US" dirty="0" smtClean="0"/>
+              <a:t>The output from one program can be piped into the input from the next:</a:t>
+            </a:r>
+          </a:p>
+          <a:p>
+            <a:pPr lvl="1">
+              <a:buFont typeface="Lucida Grande"/>
+              <a:buChar char="$"/>
+            </a:pPr>
+            <a:r>
+              <a:rPr lang="en-US" sz="2400" dirty="0" smtClean="0">
+                <a:latin typeface="Courier New"/>
+                <a:cs typeface="Courier New"/>
+              </a:rPr>
+              <a:t>cat file | sort | </a:t>
+            </a:r>
+            <a:r>
+              <a:rPr lang="en-US" sz="2400" dirty="0" err="1" smtClean="0">
+                <a:latin typeface="Courier New"/>
+                <a:cs typeface="Courier New"/>
+              </a:rPr>
+              <a:t>uniq</a:t>
+            </a:r>
+            <a:r>
+              <a:rPr lang="en-US" sz="2400" dirty="0" smtClean="0">
+                <a:latin typeface="Courier New"/>
+                <a:cs typeface="Courier New"/>
+              </a:rPr>
+              <a:t> &gt; </a:t>
+            </a:r>
+            <a:r>
+              <a:rPr lang="en-US" sz="2400" dirty="0" err="1" smtClean="0">
+                <a:latin typeface="Courier New"/>
+                <a:cs typeface="Courier New"/>
+              </a:rPr>
+              <a:t>sorted_no_dups</a:t>
+            </a:r>
+            <a:endParaRPr lang="en-US" sz="2400" dirty="0">
+              <a:latin typeface="Courier New"/>
+              <a:cs typeface="Courier New"/>
+            </a:endParaRPr>
           </a:p>
         </p:txBody>
       </p:sp>
@@ -4243,6 +6610,13 @@
   <p:clrMapOvr>
     <a:masterClrMapping/>
   </p:clrMapOvr>
+  <p:timing>
+    <p:tnLst>
+      <p:par>
+        <p:cTn id="1" dur="indefinite" restart="never" nodeType="tmRoot"/>
+      </p:par>
+    </p:tnLst>
+  </p:timing>
 </p:sld>
 </file>
 
@@ -4279,10 +6653,10 @@
           <a:lstStyle/>
           <a:p>
             <a:r>
-              <a:rPr lang="en-US" smtClean="0"/>
-              <a:t>File extensions</a:t>
-            </a:r>
-            <a:endParaRPr lang="en-US"/>
+              <a:rPr lang="en-US" dirty="0" smtClean="0"/>
+              <a:t>Environment variables</a:t>
+            </a:r>
+            <a:endParaRPr lang="en-US" dirty="0"/>
           </a:p>
         </p:txBody>
       </p:sp>
@@ -4293,23 +6667,400 @@
             <a:spLocks noGrp="1"/>
           </p:cNvSpPr>
           <p:nvPr>
-            <p:ph idx="1"/>
-          </p:nvPr>
-        </p:nvSpPr>
-        <p:spPr/>
-        <p:txBody>
-          <a:bodyPr/>
+            <p:ph sz="half" idx="1"/>
+          </p:nvPr>
+        </p:nvSpPr>
+        <p:spPr>
+          <a:xfrm>
+            <a:off x="228600" y="1722437"/>
+            <a:ext cx="4038600" cy="4525963"/>
+          </a:xfrm>
+        </p:spPr>
+        <p:txBody>
+          <a:bodyPr>
+            <a:normAutofit/>
+          </a:bodyPr>
           <a:lstStyle/>
           <a:p>
-            <a:endParaRPr lang="en-US"/>
-          </a:p>
-        </p:txBody>
-      </p:sp>
+            <a:r>
+              <a:rPr lang="en-US" sz="2400" dirty="0" smtClean="0"/>
+              <a:t>Th</a:t>
+            </a:r>
+            <a:r>
+              <a:rPr lang="en-US" sz="2400" dirty="0" smtClean="0"/>
+              <a:t>e shell environment is configured using variables, i.e. things with a name and a value.</a:t>
+            </a:r>
+          </a:p>
+          <a:p>
+            <a:r>
+              <a:rPr lang="en-US" sz="2400" dirty="0" smtClean="0"/>
+              <a:t>These variables are often defined in </a:t>
+            </a:r>
+            <a:r>
+              <a:rPr lang="en-US" sz="2400" dirty="0" err="1" smtClean="0"/>
+              <a:t>config</a:t>
+            </a:r>
+            <a:r>
+              <a:rPr lang="en-US" sz="2400" dirty="0" smtClean="0"/>
+              <a:t> files.</a:t>
+            </a:r>
+          </a:p>
+          <a:p>
+            <a:r>
+              <a:rPr lang="en-US" sz="2400" dirty="0" smtClean="0"/>
+              <a:t>Example:</a:t>
+            </a:r>
+          </a:p>
+          <a:p>
+            <a:pPr lvl="1">
+              <a:buFont typeface="Lucida Grande"/>
+              <a:buChar char="$"/>
+            </a:pPr>
+            <a:r>
+              <a:rPr lang="en-US" sz="1400" dirty="0" smtClean="0">
+                <a:latin typeface="Courier New"/>
+                <a:cs typeface="Courier New"/>
+              </a:rPr>
+              <a:t>export MYVAR=“hello world”</a:t>
+            </a:r>
+          </a:p>
+          <a:p>
+            <a:pPr lvl="1">
+              <a:buFont typeface="Lucida Grande"/>
+              <a:buChar char="$"/>
+            </a:pPr>
+            <a:r>
+              <a:rPr lang="en-US" sz="1400" dirty="0" smtClean="0">
+                <a:latin typeface="Courier New"/>
+                <a:cs typeface="Courier New"/>
+              </a:rPr>
+              <a:t>echo $MYVAR</a:t>
+            </a:r>
+            <a:endParaRPr lang="en-US" sz="1400" dirty="0">
+              <a:latin typeface="Courier New"/>
+              <a:cs typeface="Courier New"/>
+            </a:endParaRPr>
+          </a:p>
+        </p:txBody>
+      </p:sp>
+      <p:graphicFrame>
+        <p:nvGraphicFramePr>
+          <p:cNvPr id="5" name="Content Placeholder 4"/>
+          <p:cNvGraphicFramePr>
+            <a:graphicFrameLocks noGrp="1"/>
+          </p:cNvGraphicFramePr>
+          <p:nvPr>
+            <p:ph sz="half" idx="2"/>
+          </p:nvPr>
+        </p:nvGraphicFramePr>
+        <p:xfrm>
+          <a:off x="4267200" y="1874837"/>
+          <a:ext cx="4419600" cy="3337560"/>
+        </p:xfrm>
+        <a:graphic>
+          <a:graphicData uri="http://schemas.openxmlformats.org/drawingml/2006/table">
+            <a:tbl>
+              <a:tblPr firstRow="1" bandRow="1">
+                <a:tableStyleId>{5C22544A-7EE6-4342-B048-85BDC9FD1C3A}</a:tableStyleId>
+              </a:tblPr>
+              <a:tblGrid>
+                <a:gridCol w="1447800"/>
+                <a:gridCol w="2971800"/>
+              </a:tblGrid>
+              <a:tr h="370840">
+                <a:tc>
+                  <a:txBody>
+                    <a:bodyPr/>
+                    <a:lstStyle/>
+                    <a:p>
+                      <a:r>
+                        <a:rPr lang="en-US" dirty="0" smtClean="0"/>
+                        <a:t>Name</a:t>
+                      </a:r>
+                      <a:endParaRPr lang="en-US" dirty="0"/>
+                    </a:p>
+                  </a:txBody>
+                  <a:tcPr/>
+                </a:tc>
+                <a:tc>
+                  <a:txBody>
+                    <a:bodyPr/>
+                    <a:lstStyle/>
+                    <a:p>
+                      <a:r>
+                        <a:rPr lang="en-US" dirty="0" smtClean="0"/>
+                        <a:t>Function</a:t>
+                      </a:r>
+                      <a:endParaRPr lang="en-US" dirty="0"/>
+                    </a:p>
+                  </a:txBody>
+                  <a:tcPr/>
+                </a:tc>
+              </a:tr>
+              <a:tr h="370840">
+                <a:tc>
+                  <a:txBody>
+                    <a:bodyPr/>
+                    <a:lstStyle/>
+                    <a:p>
+                      <a:r>
+                        <a:rPr lang="en-US" dirty="0" smtClean="0"/>
+                        <a:t>PATH</a:t>
+                      </a:r>
+                      <a:endParaRPr lang="en-US" dirty="0"/>
+                    </a:p>
+                  </a:txBody>
+                  <a:tcPr/>
+                </a:tc>
+                <a:tc>
+                  <a:txBody>
+                    <a:bodyPr/>
+                    <a:lstStyle/>
+                    <a:p>
+                      <a:r>
+                        <a:rPr lang="en-US" dirty="0" smtClean="0"/>
+                        <a:t>Location of CLI  commands</a:t>
+                      </a:r>
+                      <a:endParaRPr lang="en-US" dirty="0"/>
+                    </a:p>
+                  </a:txBody>
+                  <a:tcPr/>
+                </a:tc>
+              </a:tr>
+              <a:tr h="370840">
+                <a:tc>
+                  <a:txBody>
+                    <a:bodyPr/>
+                    <a:lstStyle/>
+                    <a:p>
+                      <a:r>
+                        <a:rPr lang="en-US" dirty="0" smtClean="0"/>
+                        <a:t>PERL5LIB</a:t>
+                      </a:r>
+                      <a:endParaRPr lang="en-US" dirty="0"/>
+                    </a:p>
+                  </a:txBody>
+                  <a:tcPr/>
+                </a:tc>
+                <a:tc>
+                  <a:txBody>
+                    <a:bodyPr/>
+                    <a:lstStyle/>
+                    <a:p>
+                      <a:r>
+                        <a:rPr lang="en-US" dirty="0" smtClean="0"/>
+                        <a:t>Location of </a:t>
+                      </a:r>
+                      <a:r>
+                        <a:rPr lang="en-US" dirty="0" err="1" smtClean="0"/>
+                        <a:t>perl</a:t>
+                      </a:r>
+                      <a:r>
+                        <a:rPr lang="en-US" dirty="0" smtClean="0"/>
+                        <a:t> libraries</a:t>
+                      </a:r>
+                      <a:endParaRPr lang="en-US" dirty="0"/>
+                    </a:p>
+                  </a:txBody>
+                  <a:tcPr/>
+                </a:tc>
+              </a:tr>
+              <a:tr h="370840">
+                <a:tc>
+                  <a:txBody>
+                    <a:bodyPr/>
+                    <a:lstStyle/>
+                    <a:p>
+                      <a:r>
+                        <a:rPr lang="en-US" dirty="0" smtClean="0"/>
+                        <a:t>PYTHONPATH</a:t>
+                      </a:r>
+                      <a:endParaRPr lang="en-US" dirty="0"/>
+                    </a:p>
+                  </a:txBody>
+                  <a:tcPr/>
+                </a:tc>
+                <a:tc>
+                  <a:txBody>
+                    <a:bodyPr/>
+                    <a:lstStyle/>
+                    <a:p>
+                      <a:r>
+                        <a:rPr lang="en-US" dirty="0" smtClean="0"/>
+                        <a:t>Location of python libraries</a:t>
+                      </a:r>
+                      <a:endParaRPr lang="en-US" dirty="0"/>
+                    </a:p>
+                  </a:txBody>
+                  <a:tcPr/>
+                </a:tc>
+              </a:tr>
+              <a:tr h="370840">
+                <a:tc>
+                  <a:txBody>
+                    <a:bodyPr/>
+                    <a:lstStyle/>
+                    <a:p>
+                      <a:r>
+                        <a:rPr lang="en-US" dirty="0" smtClean="0"/>
+                        <a:t>CLASSPATH</a:t>
+                      </a:r>
+                      <a:endParaRPr lang="en-US" dirty="0"/>
+                    </a:p>
+                  </a:txBody>
+                  <a:tcPr/>
+                </a:tc>
+                <a:tc>
+                  <a:txBody>
+                    <a:bodyPr/>
+                    <a:lstStyle/>
+                    <a:p>
+                      <a:r>
+                        <a:rPr lang="en-US" dirty="0" smtClean="0"/>
+                        <a:t>Location of java libraries</a:t>
+                      </a:r>
+                      <a:endParaRPr lang="en-US" dirty="0"/>
+                    </a:p>
+                  </a:txBody>
+                  <a:tcPr/>
+                </a:tc>
+              </a:tr>
+              <a:tr h="370840">
+                <a:tc>
+                  <a:txBody>
+                    <a:bodyPr/>
+                    <a:lstStyle/>
+                    <a:p>
+                      <a:r>
+                        <a:rPr lang="en-US" dirty="0" smtClean="0"/>
+                        <a:t>HOME</a:t>
+                      </a:r>
+                      <a:endParaRPr lang="en-US" dirty="0"/>
+                    </a:p>
+                  </a:txBody>
+                  <a:tcPr/>
+                </a:tc>
+                <a:tc>
+                  <a:txBody>
+                    <a:bodyPr/>
+                    <a:lstStyle/>
+                    <a:p>
+                      <a:r>
+                        <a:rPr lang="en-US" dirty="0" smtClean="0"/>
+                        <a:t>User home directory</a:t>
+                      </a:r>
+                      <a:endParaRPr lang="en-US" dirty="0"/>
+                    </a:p>
+                  </a:txBody>
+                  <a:tcPr/>
+                </a:tc>
+              </a:tr>
+              <a:tr h="370840">
+                <a:tc>
+                  <a:txBody>
+                    <a:bodyPr/>
+                    <a:lstStyle/>
+                    <a:p>
+                      <a:r>
+                        <a:rPr lang="en-US" dirty="0" smtClean="0"/>
+                        <a:t>USER</a:t>
+                      </a:r>
+                      <a:endParaRPr lang="en-US" dirty="0"/>
+                    </a:p>
+                  </a:txBody>
+                  <a:tcPr/>
+                </a:tc>
+                <a:tc>
+                  <a:txBody>
+                    <a:bodyPr/>
+                    <a:lstStyle/>
+                    <a:p>
+                      <a:r>
+                        <a:rPr lang="en-US" dirty="0" smtClean="0"/>
+                        <a:t>User name</a:t>
+                      </a:r>
+                      <a:endParaRPr lang="en-US" dirty="0"/>
+                    </a:p>
+                  </a:txBody>
+                  <a:tcPr/>
+                </a:tc>
+              </a:tr>
+              <a:tr h="370840">
+                <a:tc>
+                  <a:txBody>
+                    <a:bodyPr/>
+                    <a:lstStyle/>
+                    <a:p>
+                      <a:r>
+                        <a:rPr lang="en-US" dirty="0" smtClean="0"/>
+                        <a:t>PWD</a:t>
+                      </a:r>
+                      <a:endParaRPr lang="en-US" dirty="0"/>
+                    </a:p>
+                  </a:txBody>
+                  <a:tcPr/>
+                </a:tc>
+                <a:tc>
+                  <a:txBody>
+                    <a:bodyPr/>
+                    <a:lstStyle/>
+                    <a:p>
+                      <a:r>
+                        <a:rPr lang="en-US" dirty="0" smtClean="0"/>
+                        <a:t>Current working directory</a:t>
+                      </a:r>
+                      <a:endParaRPr lang="en-US" dirty="0"/>
+                    </a:p>
+                  </a:txBody>
+                  <a:tcPr/>
+                </a:tc>
+              </a:tr>
+              <a:tr h="370840">
+                <a:tc>
+                  <a:txBody>
+                    <a:bodyPr/>
+                    <a:lstStyle/>
+                    <a:p>
+                      <a:r>
+                        <a:rPr lang="en-US" dirty="0" smtClean="0"/>
+                        <a:t>TMPDIR</a:t>
+                      </a:r>
+                      <a:endParaRPr lang="en-US" dirty="0"/>
+                    </a:p>
+                  </a:txBody>
+                  <a:tcPr/>
+                </a:tc>
+                <a:tc>
+                  <a:txBody>
+                    <a:bodyPr/>
+                    <a:lstStyle/>
+                    <a:p>
+                      <a:r>
+                        <a:rPr lang="en-US" dirty="0" smtClean="0"/>
+                        <a:t>Temporary directory</a:t>
+                      </a:r>
+                      <a:endParaRPr lang="en-US" dirty="0"/>
+                    </a:p>
+                  </a:txBody>
+                  <a:tcPr/>
+                </a:tc>
+              </a:tr>
+            </a:tbl>
+          </a:graphicData>
+        </a:graphic>
+      </p:graphicFrame>
     </p:spTree>
   </p:cSld>
   <p:clrMapOvr>
     <a:masterClrMapping/>
   </p:clrMapOvr>
+  <p:timing>
+    <p:tnLst>
+      <p:par>
+        <p:cTn id="1" dur="indefinite" restart="never" nodeType="tmRoot"/>
+      </p:par>
+    </p:tnLst>
+  </p:timing>
 </p:sld>
 </file>
 
@@ -4347,7 +7098,7 @@
           <a:p>
             <a:r>
               <a:rPr lang="en-US" dirty="0" smtClean="0"/>
-              <a:t>Commonly-used CLI commands</a:t>
+              <a:t>UNIX programming</a:t>
             </a:r>
             <a:endParaRPr lang="en-US" dirty="0"/>
           </a:p>
@@ -4365,10 +7116,80 @@
         </p:nvSpPr>
         <p:spPr/>
         <p:txBody>
-          <a:bodyPr/>
+          <a:bodyPr>
+            <a:normAutofit lnSpcReduction="10000"/>
+          </a:bodyPr>
           <a:lstStyle/>
           <a:p>
-            <a:endParaRPr lang="en-US"/>
+            <a:r>
+              <a:rPr lang="en-US" dirty="0" smtClean="0"/>
+              <a:t>UNIX provides a standardized environment for developing applications (historically in C)</a:t>
+            </a:r>
+          </a:p>
+          <a:p>
+            <a:r>
+              <a:rPr lang="en-US" dirty="0" smtClean="0"/>
+              <a:t>Many pieces of re-useable code (headers and libraries)</a:t>
+            </a:r>
+          </a:p>
+          <a:p>
+            <a:r>
+              <a:rPr lang="en-US" dirty="0" smtClean="0"/>
+              <a:t>Standard powerful text editors (vi, </a:t>
+            </a:r>
+            <a:r>
+              <a:rPr lang="en-US" dirty="0" err="1" smtClean="0"/>
+              <a:t>emacs</a:t>
+            </a:r>
+            <a:r>
+              <a:rPr lang="en-US" dirty="0" smtClean="0"/>
+              <a:t>)</a:t>
+            </a:r>
+          </a:p>
+          <a:p>
+            <a:r>
+              <a:rPr lang="en-US" dirty="0" smtClean="0"/>
+              <a:t>Standard </a:t>
+            </a:r>
+            <a:r>
+              <a:rPr lang="en-US" dirty="0" err="1" smtClean="0"/>
+              <a:t>toolchain</a:t>
+            </a:r>
+            <a:r>
+              <a:rPr lang="en-US" dirty="0" smtClean="0"/>
+              <a:t> for building binaries (e.g. </a:t>
+            </a:r>
+            <a:r>
+              <a:rPr lang="en-US" dirty="0" err="1" smtClean="0"/>
+              <a:t>autotools</a:t>
+            </a:r>
+            <a:r>
+              <a:rPr lang="en-US" dirty="0" smtClean="0"/>
+              <a:t>, make, </a:t>
+            </a:r>
+            <a:r>
+              <a:rPr lang="en-US" dirty="0" err="1" smtClean="0"/>
+              <a:t>gcc</a:t>
+            </a:r>
+            <a:r>
+              <a:rPr lang="en-US" dirty="0" smtClean="0"/>
+              <a:t>, ld, etc.)</a:t>
+            </a:r>
+          </a:p>
+          <a:p>
+            <a:r>
+              <a:rPr lang="en-US" dirty="0" smtClean="0"/>
+              <a:t>Standard support for scripting languages (</a:t>
+            </a:r>
+            <a:r>
+              <a:rPr lang="en-US" dirty="0" err="1" smtClean="0"/>
+              <a:t>perl</a:t>
+            </a:r>
+            <a:r>
+              <a:rPr lang="en-US" dirty="0" smtClean="0"/>
+              <a:t>, python, ruby, etc.)</a:t>
+            </a:r>
+            <a:endParaRPr lang="en-US" dirty="0"/>
           </a:p>
         </p:txBody>
       </p:sp>
@@ -4377,6 +7198,13 @@
   <p:clrMapOvr>
     <a:masterClrMapping/>
   </p:clrMapOvr>
+  <p:timing>
+    <p:tnLst>
+      <p:par>
+        <p:cTn id="1" dur="indefinite" restart="never" nodeType="tmRoot"/>
+      </p:par>
+    </p:tnLst>
+  </p:timing>
 </p:sld>
 </file>
 
